--- a/Уеб сайт за дистрибуция на Xiaomi.pptx
+++ b/Уеб сайт за дистрибуция на Xiaomi.pptx
@@ -16,6 +16,7 @@
     <p:sldId id="264" r:id="rId10"/>
     <p:sldId id="265" r:id="rId11"/>
     <p:sldId id="266" r:id="rId12"/>
+    <p:sldId id="267" r:id="rId13"/>
   </p:sldIdLst>
   <p:sldSz cx="12192000" cy="6858000"/>
   <p:notesSz cx="6858000" cy="9144000"/>
@@ -459,6 +460,18 @@
   <p:clrMapOvr>
     <a:masterClrMapping/>
   </p:clrMapOvr>
+  <mc:AlternateContent xmlns:mc="http://schemas.openxmlformats.org/markup-compatibility/2006">
+    <mc:Choice xmlns:p15="http://schemas.microsoft.com/office/powerpoint/2012/main" Requires="p15">
+      <p:transition spd="med">
+        <p15:prstTrans prst="curtains"/>
+      </p:transition>
+    </mc:Choice>
+    <mc:Fallback>
+      <p:transition spd="med">
+        <p:fade/>
+      </p:transition>
+    </mc:Fallback>
+  </mc:AlternateContent>
 </p:sldLayout>
 </file>
 
@@ -873,6 +886,18 @@
   <p:clrMapOvr>
     <a:masterClrMapping/>
   </p:clrMapOvr>
+  <mc:AlternateContent xmlns:mc="http://schemas.openxmlformats.org/markup-compatibility/2006">
+    <mc:Choice xmlns:p15="http://schemas.microsoft.com/office/powerpoint/2012/main" Requires="p15">
+      <p:transition spd="med">
+        <p15:prstTrans prst="curtains"/>
+      </p:transition>
+    </mc:Choice>
+    <mc:Fallback>
+      <p:transition spd="med">
+        <p:fade/>
+      </p:transition>
+    </mc:Fallback>
+  </mc:AlternateContent>
 </p:sldLayout>
 </file>
 
@@ -1209,6 +1234,18 @@
   <p:clrMapOvr>
     <a:masterClrMapping/>
   </p:clrMapOvr>
+  <mc:AlternateContent xmlns:mc="http://schemas.openxmlformats.org/markup-compatibility/2006">
+    <mc:Choice xmlns:p15="http://schemas.microsoft.com/office/powerpoint/2012/main" Requires="p15">
+      <p:transition spd="med">
+        <p15:prstTrans prst="curtains"/>
+      </p:transition>
+    </mc:Choice>
+    <mc:Fallback>
+      <p:transition spd="med">
+        <p:fade/>
+      </p:transition>
+    </mc:Fallback>
+  </mc:AlternateContent>
 </p:sldLayout>
 </file>
 
@@ -1846,6 +1883,18 @@
   <p:clrMapOvr>
     <a:masterClrMapping/>
   </p:clrMapOvr>
+  <mc:AlternateContent xmlns:mc="http://schemas.openxmlformats.org/markup-compatibility/2006">
+    <mc:Choice xmlns:p15="http://schemas.microsoft.com/office/powerpoint/2012/main" Requires="p15">
+      <p:transition spd="med">
+        <p15:prstTrans prst="curtains"/>
+      </p:transition>
+    </mc:Choice>
+    <mc:Fallback>
+      <p:transition spd="med">
+        <p:fade/>
+      </p:transition>
+    </mc:Fallback>
+  </mc:AlternateContent>
 </p:sldLayout>
 </file>
 
@@ -2182,6 +2231,18 @@
   <p:clrMapOvr>
     <a:masterClrMapping/>
   </p:clrMapOvr>
+  <mc:AlternateContent xmlns:mc="http://schemas.openxmlformats.org/markup-compatibility/2006">
+    <mc:Choice xmlns:p15="http://schemas.microsoft.com/office/powerpoint/2012/main" Requires="p15">
+      <p:transition spd="med">
+        <p15:prstTrans prst="curtains"/>
+      </p:transition>
+    </mc:Choice>
+    <mc:Fallback>
+      <p:transition spd="med">
+        <p:fade/>
+      </p:transition>
+    </mc:Fallback>
+  </mc:AlternateContent>
 </p:sldLayout>
 </file>
 
@@ -2858,6 +2919,18 @@
   <p:clrMapOvr>
     <a:masterClrMapping/>
   </p:clrMapOvr>
+  <mc:AlternateContent xmlns:mc="http://schemas.openxmlformats.org/markup-compatibility/2006">
+    <mc:Choice xmlns:p15="http://schemas.microsoft.com/office/powerpoint/2012/main" Requires="p15">
+      <p:transition spd="med">
+        <p15:prstTrans prst="curtains"/>
+      </p:transition>
+    </mc:Choice>
+    <mc:Fallback>
+      <p:transition spd="med">
+        <p:fade/>
+      </p:transition>
+    </mc:Fallback>
+  </mc:AlternateContent>
 </p:sldLayout>
 </file>
 
@@ -3771,6 +3844,18 @@
   <p:clrMapOvr>
     <a:masterClrMapping/>
   </p:clrMapOvr>
+  <mc:AlternateContent xmlns:mc="http://schemas.openxmlformats.org/markup-compatibility/2006">
+    <mc:Choice xmlns:p15="http://schemas.microsoft.com/office/powerpoint/2012/main" Requires="p15">
+      <p:transition spd="med">
+        <p15:prstTrans prst="curtains"/>
+      </p:transition>
+    </mc:Choice>
+    <mc:Fallback>
+      <p:transition spd="med">
+        <p:fade/>
+      </p:transition>
+    </mc:Fallback>
+  </mc:AlternateContent>
 </p:sldLayout>
 </file>
 
@@ -4084,6 +4169,18 @@
   <p:clrMapOvr>
     <a:masterClrMapping/>
   </p:clrMapOvr>
+  <mc:AlternateContent xmlns:mc="http://schemas.openxmlformats.org/markup-compatibility/2006">
+    <mc:Choice xmlns:p15="http://schemas.microsoft.com/office/powerpoint/2012/main" Requires="p15">
+      <p:transition spd="med">
+        <p15:prstTrans prst="curtains"/>
+      </p:transition>
+    </mc:Choice>
+    <mc:Fallback>
+      <p:transition spd="med">
+        <p:fade/>
+      </p:transition>
+    </mc:Fallback>
+  </mc:AlternateContent>
 </p:sldLayout>
 </file>
 
@@ -4362,6 +4459,18 @@
   <p:clrMapOvr>
     <a:masterClrMapping/>
   </p:clrMapOvr>
+  <mc:AlternateContent xmlns:mc="http://schemas.openxmlformats.org/markup-compatibility/2006">
+    <mc:Choice xmlns:p15="http://schemas.microsoft.com/office/powerpoint/2012/main" Requires="p15">
+      <p:transition spd="med">
+        <p15:prstTrans prst="curtains"/>
+      </p:transition>
+    </mc:Choice>
+    <mc:Fallback>
+      <p:transition spd="med">
+        <p:fade/>
+      </p:transition>
+    </mc:Fallback>
+  </mc:AlternateContent>
 </p:sldLayout>
 </file>
 
@@ -4671,6 +4780,18 @@
   <p:clrMapOvr>
     <a:masterClrMapping/>
   </p:clrMapOvr>
+  <mc:AlternateContent xmlns:mc="http://schemas.openxmlformats.org/markup-compatibility/2006">
+    <mc:Choice xmlns:p15="http://schemas.microsoft.com/office/powerpoint/2012/main" Requires="p15">
+      <p:transition spd="med">
+        <p15:prstTrans prst="curtains"/>
+      </p:transition>
+    </mc:Choice>
+    <mc:Fallback>
+      <p:transition spd="med">
+        <p:fade/>
+      </p:transition>
+    </mc:Fallback>
+  </mc:AlternateContent>
 </p:sldLayout>
 </file>
 
@@ -5065,6 +5186,18 @@
   <p:clrMapOvr>
     <a:masterClrMapping/>
   </p:clrMapOvr>
+  <mc:AlternateContent xmlns:mc="http://schemas.openxmlformats.org/markup-compatibility/2006">
+    <mc:Choice xmlns:p15="http://schemas.microsoft.com/office/powerpoint/2012/main" Requires="p15">
+      <p:transition spd="med">
+        <p15:prstTrans prst="curtains"/>
+      </p:transition>
+    </mc:Choice>
+    <mc:Fallback>
+      <p:transition spd="med">
+        <p:fade/>
+      </p:transition>
+    </mc:Fallback>
+  </mc:AlternateContent>
 </p:sldLayout>
 </file>
 
@@ -5436,6 +5569,18 @@
   <p:clrMapOvr>
     <a:masterClrMapping/>
   </p:clrMapOvr>
+  <mc:AlternateContent xmlns:mc="http://schemas.openxmlformats.org/markup-compatibility/2006">
+    <mc:Choice xmlns:p15="http://schemas.microsoft.com/office/powerpoint/2012/main" Requires="p15">
+      <p:transition spd="med">
+        <p15:prstTrans prst="curtains"/>
+      </p:transition>
+    </mc:Choice>
+    <mc:Fallback>
+      <p:transition spd="med">
+        <p:fade/>
+      </p:transition>
+    </mc:Fallback>
+  </mc:AlternateContent>
 </p:sldLayout>
 </file>
 
@@ -5942,6 +6087,18 @@
   <p:clrMapOvr>
     <a:masterClrMapping/>
   </p:clrMapOvr>
+  <mc:AlternateContent xmlns:mc="http://schemas.openxmlformats.org/markup-compatibility/2006">
+    <mc:Choice xmlns:p15="http://schemas.microsoft.com/office/powerpoint/2012/main" Requires="p15">
+      <p:transition spd="med">
+        <p15:prstTrans prst="curtains"/>
+      </p:transition>
+    </mc:Choice>
+    <mc:Fallback>
+      <p:transition spd="med">
+        <p:fade/>
+      </p:transition>
+    </mc:Fallback>
+  </mc:AlternateContent>
 </p:sldLayout>
 </file>
 
@@ -6199,6 +6356,18 @@
   <p:clrMapOvr>
     <a:masterClrMapping/>
   </p:clrMapOvr>
+  <mc:AlternateContent xmlns:mc="http://schemas.openxmlformats.org/markup-compatibility/2006">
+    <mc:Choice xmlns:p15="http://schemas.microsoft.com/office/powerpoint/2012/main" Requires="p15">
+      <p:transition spd="med">
+        <p15:prstTrans prst="curtains"/>
+      </p:transition>
+    </mc:Choice>
+    <mc:Fallback>
+      <p:transition spd="med">
+        <p:fade/>
+      </p:transition>
+    </mc:Fallback>
+  </mc:AlternateContent>
 </p:sldLayout>
 </file>
 
@@ -6362,6 +6531,18 @@
   <p:clrMapOvr>
     <a:masterClrMapping/>
   </p:clrMapOvr>
+  <mc:AlternateContent xmlns:mc="http://schemas.openxmlformats.org/markup-compatibility/2006">
+    <mc:Choice xmlns:p15="http://schemas.microsoft.com/office/powerpoint/2012/main" Requires="p15">
+      <p:transition spd="med">
+        <p15:prstTrans prst="curtains"/>
+      </p:transition>
+    </mc:Choice>
+    <mc:Fallback>
+      <p:transition spd="med">
+        <p:fade/>
+      </p:transition>
+    </mc:Fallback>
+  </mc:AlternateContent>
 </p:sldLayout>
 </file>
 
@@ -6752,6 +6933,18 @@
   <p:clrMapOvr>
     <a:masterClrMapping/>
   </p:clrMapOvr>
+  <mc:AlternateContent xmlns:mc="http://schemas.openxmlformats.org/markup-compatibility/2006">
+    <mc:Choice xmlns:p15="http://schemas.microsoft.com/office/powerpoint/2012/main" Requires="p15">
+      <p:transition spd="med">
+        <p15:prstTrans prst="curtains"/>
+      </p:transition>
+    </mc:Choice>
+    <mc:Fallback>
+      <p:transition spd="med">
+        <p:fade/>
+      </p:transition>
+    </mc:Fallback>
+  </mc:AlternateContent>
 </p:sldLayout>
 </file>
 
@@ -7161,6 +7354,18 @@
   <p:clrMapOvr>
     <a:masterClrMapping/>
   </p:clrMapOvr>
+  <mc:AlternateContent xmlns:mc="http://schemas.openxmlformats.org/markup-compatibility/2006">
+    <mc:Choice xmlns:p15="http://schemas.microsoft.com/office/powerpoint/2012/main" Requires="p15">
+      <p:transition spd="med">
+        <p15:prstTrans prst="curtains"/>
+      </p:transition>
+    </mc:Choice>
+    <mc:Fallback>
+      <p:transition spd="med">
+        <p:fade/>
+      </p:transition>
+    </mc:Fallback>
+  </mc:AlternateContent>
 </p:sldLayout>
 </file>
 
@@ -7458,6 +7663,18 @@
     <p:sldLayoutId id="2147483748" r:id="rId16"/>
     <p:sldLayoutId id="2147483749" r:id="rId17"/>
   </p:sldLayoutIdLst>
+  <mc:AlternateContent xmlns:mc="http://schemas.openxmlformats.org/markup-compatibility/2006">
+    <mc:Choice xmlns:p15="http://schemas.microsoft.com/office/powerpoint/2012/main" Requires="p15">
+      <p:transition spd="med">
+        <p15:prstTrans prst="curtains"/>
+      </p:transition>
+    </mc:Choice>
+    <mc:Fallback>
+      <p:transition spd="med">
+        <p:fade/>
+      </p:transition>
+    </mc:Fallback>
+  </mc:AlternateContent>
   <p:txStyles>
     <p:titleStyle>
       <a:lvl1pPr algn="l" defTabSz="914400" rtl="0" eaLnBrk="1" latinLnBrk="0" hangingPunct="1">
@@ -7859,6 +8076,25 @@
   <p:clrMapOvr>
     <a:masterClrMapping/>
   </p:clrMapOvr>
+  <mc:AlternateContent xmlns:mc="http://schemas.openxmlformats.org/markup-compatibility/2006">
+    <mc:Choice xmlns:p15="http://schemas.microsoft.com/office/powerpoint/2012/main" Requires="p15">
+      <p:transition spd="med">
+        <p15:prstTrans prst="airplane"/>
+      </p:transition>
+    </mc:Choice>
+    <mc:Fallback>
+      <p:transition spd="med">
+        <p:fade/>
+      </p:transition>
+    </mc:Fallback>
+  </mc:AlternateContent>
+  <p:timing>
+    <p:tnLst>
+      <p:par>
+        <p:cTn id="1" dur="indefinite" restart="never" nodeType="tmRoot"/>
+      </p:par>
+    </p:tnLst>
+  </p:timing>
 </p:sld>
 </file>
 
@@ -7993,6 +8229,21 @@
           <a:prstGeom prst="rect">
             <a:avLst/>
           </a:prstGeom>
+          <a:effectLst>
+            <a:glow rad="228600">
+              <a:schemeClr val="accent1">
+                <a:satMod val="175000"/>
+                <a:alpha val="40000"/>
+              </a:schemeClr>
+            </a:glow>
+          </a:effectLst>
+          <a:scene3d>
+            <a:camera prst="orthographicFront"/>
+            <a:lightRig rig="threePt" dir="t"/>
+          </a:scene3d>
+          <a:sp3d>
+            <a:bevelT/>
+          </a:sp3d>
         </p:spPr>
       </p:pic>
     </p:spTree>
@@ -8005,6 +8256,183 @@
   <p:clrMapOvr>
     <a:masterClrMapping/>
   </p:clrMapOvr>
+  <mc:AlternateContent xmlns:mc="http://schemas.openxmlformats.org/markup-compatibility/2006">
+    <mc:Choice xmlns:p15="http://schemas.microsoft.com/office/powerpoint/2012/main" Requires="p15">
+      <p:transition spd="med">
+        <p15:prstTrans prst="curtains"/>
+      </p:transition>
+    </mc:Choice>
+    <mc:Fallback>
+      <p:transition spd="med">
+        <p:fade/>
+      </p:transition>
+    </mc:Fallback>
+  </mc:AlternateContent>
+  <p:timing>
+    <p:tnLst>
+      <p:par>
+        <p:cTn id="1" dur="indefinite" restart="never" nodeType="tmRoot">
+          <p:childTnLst>
+            <p:seq concurrent="1" nextAc="seek">
+              <p:cTn id="2" dur="indefinite" nodeType="mainSeq">
+                <p:childTnLst>
+                  <p:par>
+                    <p:cTn id="3" fill="hold">
+                      <p:stCondLst>
+                        <p:cond delay="indefinite"/>
+                      </p:stCondLst>
+                      <p:childTnLst>
+                        <p:par>
+                          <p:cTn id="4" fill="hold">
+                            <p:stCondLst>
+                              <p:cond delay="0"/>
+                            </p:stCondLst>
+                            <p:childTnLst>
+                              <p:par>
+                                <p:cTn id="5" presetID="2" presetClass="entr" presetSubtype="4" fill="hold" nodeType="clickEffect">
+                                  <p:stCondLst>
+                                    <p:cond delay="0"/>
+                                  </p:stCondLst>
+                                  <p:childTnLst>
+                                    <p:set>
+                                      <p:cBhvr>
+                                        <p:cTn id="6" dur="1" fill="hold">
+                                          <p:stCondLst>
+                                            <p:cond delay="0"/>
+                                          </p:stCondLst>
+                                        </p:cTn>
+                                        <p:tgtEl>
+                                          <p:spTgt spid="4"/>
+                                        </p:tgtEl>
+                                        <p:attrNameLst>
+                                          <p:attrName>style.visibility</p:attrName>
+                                        </p:attrNameLst>
+                                      </p:cBhvr>
+                                      <p:to>
+                                        <p:strVal val="visible"/>
+                                      </p:to>
+                                    </p:set>
+                                    <p:anim calcmode="lin" valueType="num">
+                                      <p:cBhvr additive="base">
+                                        <p:cTn id="7" dur="500" fill="hold"/>
+                                        <p:tgtEl>
+                                          <p:spTgt spid="4"/>
+                                        </p:tgtEl>
+                                        <p:attrNameLst>
+                                          <p:attrName>ppt_x</p:attrName>
+                                        </p:attrNameLst>
+                                      </p:cBhvr>
+                                      <p:tavLst>
+                                        <p:tav tm="0">
+                                          <p:val>
+                                            <p:strVal val="#ppt_x"/>
+                                          </p:val>
+                                        </p:tav>
+                                        <p:tav tm="100000">
+                                          <p:val>
+                                            <p:strVal val="#ppt_x"/>
+                                          </p:val>
+                                        </p:tav>
+                                      </p:tavLst>
+                                    </p:anim>
+                                    <p:anim calcmode="lin" valueType="num">
+                                      <p:cBhvr additive="base">
+                                        <p:cTn id="8" dur="500" fill="hold"/>
+                                        <p:tgtEl>
+                                          <p:spTgt spid="4"/>
+                                        </p:tgtEl>
+                                        <p:attrNameLst>
+                                          <p:attrName>ppt_y</p:attrName>
+                                        </p:attrNameLst>
+                                      </p:cBhvr>
+                                      <p:tavLst>
+                                        <p:tav tm="0">
+                                          <p:val>
+                                            <p:strVal val="1+#ppt_h/2"/>
+                                          </p:val>
+                                        </p:tav>
+                                        <p:tav tm="100000">
+                                          <p:val>
+                                            <p:strVal val="#ppt_y"/>
+                                          </p:val>
+                                        </p:tav>
+                                      </p:tavLst>
+                                    </p:anim>
+                                  </p:childTnLst>
+                                </p:cTn>
+                              </p:par>
+                            </p:childTnLst>
+                          </p:cTn>
+                        </p:par>
+                      </p:childTnLst>
+                    </p:cTn>
+                  </p:par>
+                  <p:par>
+                    <p:cTn id="9" fill="hold">
+                      <p:stCondLst>
+                        <p:cond delay="indefinite"/>
+                      </p:stCondLst>
+                      <p:childTnLst>
+                        <p:par>
+                          <p:cTn id="10" fill="hold">
+                            <p:stCondLst>
+                              <p:cond delay="0"/>
+                            </p:stCondLst>
+                            <p:childTnLst>
+                              <p:par>
+                                <p:cTn id="11" presetID="26" presetClass="emph" presetSubtype="0" fill="hold" nodeType="clickEffect">
+                                  <p:stCondLst>
+                                    <p:cond delay="0"/>
+                                  </p:stCondLst>
+                                  <p:childTnLst>
+                                    <p:animEffect transition="out" filter="fade">
+                                      <p:cBhvr>
+                                        <p:cTn id="12" dur="500" tmFilter="0, 0; .2, .5; .8, .5; 1, 0"/>
+                                        <p:tgtEl>
+                                          <p:spTgt spid="4"/>
+                                        </p:tgtEl>
+                                      </p:cBhvr>
+                                    </p:animEffect>
+                                    <p:animScale>
+                                      <p:cBhvr>
+                                        <p:cTn id="13" dur="250" autoRev="1" fill="hold"/>
+                                        <p:tgtEl>
+                                          <p:spTgt spid="4"/>
+                                        </p:tgtEl>
+                                      </p:cBhvr>
+                                      <p:by x="105000" y="105000"/>
+                                    </p:animScale>
+                                  </p:childTnLst>
+                                </p:cTn>
+                              </p:par>
+                            </p:childTnLst>
+                          </p:cTn>
+                        </p:par>
+                      </p:childTnLst>
+                    </p:cTn>
+                  </p:par>
+                </p:childTnLst>
+              </p:cTn>
+              <p:prevCondLst>
+                <p:cond evt="onPrev" delay="0">
+                  <p:tgtEl>
+                    <p:sldTgt/>
+                  </p:tgtEl>
+                </p:cond>
+              </p:prevCondLst>
+              <p:nextCondLst>
+                <p:cond evt="onNext" delay="0">
+                  <p:tgtEl>
+                    <p:sldTgt/>
+                  </p:tgtEl>
+                </p:cond>
+              </p:nextCondLst>
+            </p:seq>
+          </p:childTnLst>
+        </p:cTn>
+      </p:par>
+    </p:tnLst>
+  </p:timing>
 </p:sld>
 </file>
 
@@ -8071,6 +8499,45 @@
           </a:p>
         </p:txBody>
       </p:sp>
+      <p:pic>
+        <p:nvPicPr>
+          <p:cNvPr id="5" name="Picture 4"/>
+          <p:cNvPicPr>
+            <a:picLocks noChangeAspect="1"/>
+          </p:cNvPicPr>
+          <p:nvPr/>
+        </p:nvPicPr>
+        <p:blipFill>
+          <a:blip r:embed="rId2"/>
+          <a:stretch>
+            <a:fillRect/>
+          </a:stretch>
+        </p:blipFill>
+        <p:spPr>
+          <a:xfrm>
+            <a:off x="2852113" y="3514438"/>
+            <a:ext cx="5811596" cy="3343562"/>
+          </a:xfrm>
+          <a:prstGeom prst="rect">
+            <a:avLst/>
+          </a:prstGeom>
+          <a:effectLst>
+            <a:glow rad="228600">
+              <a:schemeClr val="accent6">
+                <a:satMod val="175000"/>
+                <a:alpha val="40000"/>
+              </a:schemeClr>
+            </a:glow>
+          </a:effectLst>
+          <a:scene3d>
+            <a:camera prst="orthographicFront"/>
+            <a:lightRig rig="threePt" dir="t"/>
+          </a:scene3d>
+          <a:sp3d>
+            <a:bevelT/>
+          </a:sp3d>
+        </p:spPr>
+      </p:pic>
     </p:spTree>
     <p:extLst>
       <p:ext uri="{BB962C8B-B14F-4D97-AF65-F5344CB8AC3E}">
@@ -8081,6 +8548,236 @@
   <p:clrMapOvr>
     <a:masterClrMapping/>
   </p:clrMapOvr>
+  <mc:AlternateContent xmlns:mc="http://schemas.openxmlformats.org/markup-compatibility/2006">
+    <mc:Choice xmlns:p15="http://schemas.microsoft.com/office/powerpoint/2012/main" Requires="p15">
+      <p:transition spd="med">
+        <p15:prstTrans prst="curtains"/>
+      </p:transition>
+    </mc:Choice>
+    <mc:Fallback>
+      <p:transition spd="med">
+        <p:fade/>
+      </p:transition>
+    </mc:Fallback>
+  </mc:AlternateContent>
+  <p:timing>
+    <p:tnLst>
+      <p:par>
+        <p:cTn id="1" dur="indefinite" restart="never" nodeType="tmRoot">
+          <p:childTnLst>
+            <p:seq concurrent="1" nextAc="seek">
+              <p:cTn id="2" dur="indefinite" nodeType="mainSeq">
+                <p:childTnLst>
+                  <p:par>
+                    <p:cTn id="3" fill="hold">
+                      <p:stCondLst>
+                        <p:cond delay="indefinite"/>
+                      </p:stCondLst>
+                      <p:childTnLst>
+                        <p:par>
+                          <p:cTn id="4" fill="hold">
+                            <p:stCondLst>
+                              <p:cond delay="0"/>
+                            </p:stCondLst>
+                            <p:childTnLst>
+                              <p:par>
+                                <p:cTn id="5" presetID="16" presetClass="entr" presetSubtype="37" fill="hold" nodeType="clickEffect">
+                                  <p:stCondLst>
+                                    <p:cond delay="0"/>
+                                  </p:stCondLst>
+                                  <p:childTnLst>
+                                    <p:set>
+                                      <p:cBhvr>
+                                        <p:cTn id="6" dur="1" fill="hold">
+                                          <p:stCondLst>
+                                            <p:cond delay="0"/>
+                                          </p:stCondLst>
+                                        </p:cTn>
+                                        <p:tgtEl>
+                                          <p:spTgt spid="5"/>
+                                        </p:tgtEl>
+                                        <p:attrNameLst>
+                                          <p:attrName>style.visibility</p:attrName>
+                                        </p:attrNameLst>
+                                      </p:cBhvr>
+                                      <p:to>
+                                        <p:strVal val="visible"/>
+                                      </p:to>
+                                    </p:set>
+                                    <p:animEffect transition="in" filter="barn(outVertical)">
+                                      <p:cBhvr>
+                                        <p:cTn id="7" dur="500"/>
+                                        <p:tgtEl>
+                                          <p:spTgt spid="5"/>
+                                        </p:tgtEl>
+                                      </p:cBhvr>
+                                    </p:animEffect>
+                                  </p:childTnLst>
+                                </p:cTn>
+                              </p:par>
+                            </p:childTnLst>
+                          </p:cTn>
+                        </p:par>
+                      </p:childTnLst>
+                    </p:cTn>
+                  </p:par>
+                  <p:par>
+                    <p:cTn id="8" fill="hold">
+                      <p:stCondLst>
+                        <p:cond delay="indefinite"/>
+                      </p:stCondLst>
+                      <p:childTnLst>
+                        <p:par>
+                          <p:cTn id="9" fill="hold">
+                            <p:stCondLst>
+                              <p:cond delay="0"/>
+                            </p:stCondLst>
+                            <p:childTnLst>
+                              <p:par>
+                                <p:cTn id="10" presetID="26" presetClass="emph" presetSubtype="0" fill="hold" nodeType="clickEffect">
+                                  <p:stCondLst>
+                                    <p:cond delay="0"/>
+                                  </p:stCondLst>
+                                  <p:childTnLst>
+                                    <p:animEffect transition="out" filter="fade">
+                                      <p:cBhvr>
+                                        <p:cTn id="11" dur="500" tmFilter="0, 0; .2, .5; .8, .5; 1, 0"/>
+                                        <p:tgtEl>
+                                          <p:spTgt spid="5"/>
+                                        </p:tgtEl>
+                                      </p:cBhvr>
+                                    </p:animEffect>
+                                    <p:animScale>
+                                      <p:cBhvr>
+                                        <p:cTn id="12" dur="250" autoRev="1" fill="hold"/>
+                                        <p:tgtEl>
+                                          <p:spTgt spid="5"/>
+                                        </p:tgtEl>
+                                      </p:cBhvr>
+                                      <p:by x="105000" y="105000"/>
+                                    </p:animScale>
+                                  </p:childTnLst>
+                                </p:cTn>
+                              </p:par>
+                            </p:childTnLst>
+                          </p:cTn>
+                        </p:par>
+                      </p:childTnLst>
+                    </p:cTn>
+                  </p:par>
+                </p:childTnLst>
+              </p:cTn>
+              <p:prevCondLst>
+                <p:cond evt="onPrev" delay="0">
+                  <p:tgtEl>
+                    <p:sldTgt/>
+                  </p:tgtEl>
+                </p:cond>
+              </p:prevCondLst>
+              <p:nextCondLst>
+                <p:cond evt="onNext" delay="0">
+                  <p:tgtEl>
+                    <p:sldTgt/>
+                  </p:tgtEl>
+                </p:cond>
+              </p:nextCondLst>
+            </p:seq>
+          </p:childTnLst>
+        </p:cTn>
+      </p:par>
+    </p:tnLst>
+  </p:timing>
+</p:sld>
+</file>
+
+<file path=ppt/slides/slide12.xml><?xml version="1.0" encoding="utf-8"?>
+<p:sld xmlns:a="http://schemas.openxmlformats.org/drawingml/2006/main" xmlns:r="http://schemas.openxmlformats.org/officeDocument/2006/relationships" xmlns:p="http://schemas.openxmlformats.org/presentationml/2006/main">
+  <p:cSld>
+    <p:spTree>
+      <p:nvGrpSpPr>
+        <p:cNvPr id="1" name=""/>
+        <p:cNvGrpSpPr/>
+        <p:nvPr/>
+      </p:nvGrpSpPr>
+      <p:grpSpPr>
+        <a:xfrm>
+          <a:off x="0" y="0"/>
+          <a:ext cx="0" cy="0"/>
+          <a:chOff x="0" y="0"/>
+          <a:chExt cx="0" cy="0"/>
+        </a:xfrm>
+      </p:grpSpPr>
+      <p:sp>
+        <p:nvSpPr>
+          <p:cNvPr id="2" name="Title 1"/>
+          <p:cNvSpPr>
+            <a:spLocks noGrp="1"/>
+          </p:cNvSpPr>
+          <p:nvPr>
+            <p:ph type="title"/>
+          </p:nvPr>
+        </p:nvSpPr>
+        <p:spPr/>
+        <p:txBody>
+          <a:bodyPr/>
+          <a:lstStyle/>
+          <a:p>
+            <a:r>
+              <a:rPr lang="bg-BG" dirty="0" smtClean="0"/>
+              <a:t>Благодарим за вниманието!</a:t>
+            </a:r>
+            <a:endParaRPr lang="bg-BG" dirty="0"/>
+          </a:p>
+        </p:txBody>
+      </p:sp>
+      <p:sp>
+        <p:nvSpPr>
+          <p:cNvPr id="3" name="Content Placeholder 2"/>
+          <p:cNvSpPr>
+            <a:spLocks noGrp="1"/>
+          </p:cNvSpPr>
+          <p:nvPr>
+            <p:ph idx="1"/>
+          </p:nvPr>
+        </p:nvSpPr>
+        <p:spPr/>
+        <p:txBody>
+          <a:bodyPr/>
+          <a:lstStyle/>
+          <a:p>
+            <a:endParaRPr lang="bg-BG"/>
+          </a:p>
+        </p:txBody>
+      </p:sp>
+    </p:spTree>
+    <p:extLst>
+      <p:ext uri="{BB962C8B-B14F-4D97-AF65-F5344CB8AC3E}">
+        <p14:creationId xmlns:p14="http://schemas.microsoft.com/office/powerpoint/2010/main" val="2987278145"/>
+      </p:ext>
+    </p:extLst>
+  </p:cSld>
+  <p:clrMapOvr>
+    <a:masterClrMapping/>
+  </p:clrMapOvr>
+  <mc:AlternateContent xmlns:mc="http://schemas.openxmlformats.org/markup-compatibility/2006">
+    <mc:Choice xmlns:p15="http://schemas.microsoft.com/office/powerpoint/2012/main" Requires="p15">
+      <p:transition spd="med">
+        <p15:prstTrans prst="origami" invX="1"/>
+      </p:transition>
+    </mc:Choice>
+    <mc:Fallback>
+      <p:transition spd="med">
+        <p:fade/>
+      </p:transition>
+    </mc:Fallback>
+  </mc:AlternateContent>
+  <p:timing>
+    <p:tnLst>
+      <p:par>
+        <p:cTn id="1" dur="indefinite" restart="never" nodeType="tmRoot"/>
+      </p:par>
+    </p:tnLst>
+  </p:timing>
 </p:sld>
 </file>
 
@@ -8230,13 +8927,28 @@
         </p:blipFill>
         <p:spPr bwMode="auto">
           <a:xfrm>
-            <a:off x="0" y="4849506"/>
+            <a:off x="0" y="4861538"/>
             <a:ext cx="3365206" cy="2008491"/>
           </a:xfrm>
           <a:prstGeom prst="rect">
             <a:avLst/>
           </a:prstGeom>
           <a:noFill/>
+          <a:effectLst>
+            <a:glow rad="139700">
+              <a:schemeClr val="accent5">
+                <a:satMod val="175000"/>
+                <a:alpha val="40000"/>
+              </a:schemeClr>
+            </a:glow>
+          </a:effectLst>
+          <a:scene3d>
+            <a:camera prst="orthographicFront"/>
+            <a:lightRig rig="threePt" dir="t"/>
+          </a:scene3d>
+          <a:sp3d>
+            <a:bevelT/>
+          </a:sp3d>
           <a:extLst>
             <a:ext uri="{909E8E84-426E-40DD-AFC4-6F175D3DCCD1}">
               <a14:hiddenFill xmlns:a14="http://schemas.microsoft.com/office/drawing/2010/main">
@@ -8278,6 +8990,21 @@
             <a:avLst/>
           </a:prstGeom>
           <a:noFill/>
+          <a:effectLst>
+            <a:glow rad="63500">
+              <a:schemeClr val="accent1">
+                <a:satMod val="175000"/>
+                <a:alpha val="40000"/>
+              </a:schemeClr>
+            </a:glow>
+          </a:effectLst>
+          <a:scene3d>
+            <a:camera prst="orthographicFront"/>
+            <a:lightRig rig="threePt" dir="t"/>
+          </a:scene3d>
+          <a:sp3d>
+            <a:bevelT/>
+          </a:sp3d>
           <a:extLst>
             <a:ext uri="{909E8E84-426E-40DD-AFC4-6F175D3DCCD1}">
               <a14:hiddenFill xmlns:a14="http://schemas.microsoft.com/office/drawing/2010/main">
@@ -8319,6 +9046,21 @@
             <a:avLst/>
           </a:prstGeom>
           <a:noFill/>
+          <a:effectLst>
+            <a:glow rad="63500">
+              <a:schemeClr val="accent4">
+                <a:satMod val="175000"/>
+                <a:alpha val="40000"/>
+              </a:schemeClr>
+            </a:glow>
+          </a:effectLst>
+          <a:scene3d>
+            <a:camera prst="orthographicFront"/>
+            <a:lightRig rig="threePt" dir="t"/>
+          </a:scene3d>
+          <a:sp3d>
+            <a:bevelT/>
+          </a:sp3d>
           <a:extLst>
             <a:ext uri="{909E8E84-426E-40DD-AFC4-6F175D3DCCD1}">
               <a14:hiddenFill xmlns:a14="http://schemas.microsoft.com/office/drawing/2010/main">
@@ -8360,6 +9102,21 @@
             <a:avLst/>
           </a:prstGeom>
           <a:noFill/>
+          <a:effectLst>
+            <a:glow rad="63500">
+              <a:schemeClr val="accent1">
+                <a:satMod val="175000"/>
+                <a:alpha val="40000"/>
+              </a:schemeClr>
+            </a:glow>
+          </a:effectLst>
+          <a:scene3d>
+            <a:camera prst="orthographicFront"/>
+            <a:lightRig rig="threePt" dir="t"/>
+          </a:scene3d>
+          <a:sp3d>
+            <a:bevelT/>
+          </a:sp3d>
           <a:extLst>
             <a:ext uri="{909E8E84-426E-40DD-AFC4-6F175D3DCCD1}">
               <a14:hiddenFill xmlns:a14="http://schemas.microsoft.com/office/drawing/2010/main">
@@ -8381,6 +9138,588 @@
   <p:clrMapOvr>
     <a:masterClrMapping/>
   </p:clrMapOvr>
+  <mc:AlternateContent xmlns:mc="http://schemas.openxmlformats.org/markup-compatibility/2006">
+    <mc:Choice xmlns:p15="http://schemas.microsoft.com/office/powerpoint/2012/main" Requires="p15">
+      <p:transition spd="med">
+        <p15:prstTrans prst="curtains"/>
+      </p:transition>
+    </mc:Choice>
+    <mc:Fallback>
+      <p:transition spd="med">
+        <p:fade/>
+      </p:transition>
+    </mc:Fallback>
+  </mc:AlternateContent>
+  <p:timing>
+    <p:tnLst>
+      <p:par>
+        <p:cTn id="1" dur="indefinite" restart="never" nodeType="tmRoot">
+          <p:childTnLst>
+            <p:seq concurrent="1" nextAc="seek">
+              <p:cTn id="2" dur="indefinite" nodeType="mainSeq">
+                <p:childTnLst>
+                  <p:par>
+                    <p:cTn id="3" fill="hold">
+                      <p:stCondLst>
+                        <p:cond delay="indefinite"/>
+                      </p:stCondLst>
+                      <p:childTnLst>
+                        <p:par>
+                          <p:cTn id="4" fill="hold">
+                            <p:stCondLst>
+                              <p:cond delay="0"/>
+                            </p:stCondLst>
+                            <p:childTnLst>
+                              <p:par>
+                                <p:cTn id="5" presetID="2" presetClass="entr" presetSubtype="4" fill="hold" nodeType="clickEffect">
+                                  <p:stCondLst>
+                                    <p:cond delay="0"/>
+                                  </p:stCondLst>
+                                  <p:childTnLst>
+                                    <p:set>
+                                      <p:cBhvr>
+                                        <p:cTn id="6" dur="1" fill="hold">
+                                          <p:stCondLst>
+                                            <p:cond delay="0"/>
+                                          </p:stCondLst>
+                                        </p:cTn>
+                                        <p:tgtEl>
+                                          <p:spTgt spid="2050"/>
+                                        </p:tgtEl>
+                                        <p:attrNameLst>
+                                          <p:attrName>style.visibility</p:attrName>
+                                        </p:attrNameLst>
+                                      </p:cBhvr>
+                                      <p:to>
+                                        <p:strVal val="visible"/>
+                                      </p:to>
+                                    </p:set>
+                                    <p:anim calcmode="lin" valueType="num">
+                                      <p:cBhvr additive="base">
+                                        <p:cTn id="7" dur="500" fill="hold"/>
+                                        <p:tgtEl>
+                                          <p:spTgt spid="2050"/>
+                                        </p:tgtEl>
+                                        <p:attrNameLst>
+                                          <p:attrName>ppt_x</p:attrName>
+                                        </p:attrNameLst>
+                                      </p:cBhvr>
+                                      <p:tavLst>
+                                        <p:tav tm="0">
+                                          <p:val>
+                                            <p:strVal val="#ppt_x"/>
+                                          </p:val>
+                                        </p:tav>
+                                        <p:tav tm="100000">
+                                          <p:val>
+                                            <p:strVal val="#ppt_x"/>
+                                          </p:val>
+                                        </p:tav>
+                                      </p:tavLst>
+                                    </p:anim>
+                                    <p:anim calcmode="lin" valueType="num">
+                                      <p:cBhvr additive="base">
+                                        <p:cTn id="8" dur="500" fill="hold"/>
+                                        <p:tgtEl>
+                                          <p:spTgt spid="2050"/>
+                                        </p:tgtEl>
+                                        <p:attrNameLst>
+                                          <p:attrName>ppt_y</p:attrName>
+                                        </p:attrNameLst>
+                                      </p:cBhvr>
+                                      <p:tavLst>
+                                        <p:tav tm="0">
+                                          <p:val>
+                                            <p:strVal val="1+#ppt_h/2"/>
+                                          </p:val>
+                                        </p:tav>
+                                        <p:tav tm="100000">
+                                          <p:val>
+                                            <p:strVal val="#ppt_y"/>
+                                          </p:val>
+                                        </p:tav>
+                                      </p:tavLst>
+                                    </p:anim>
+                                  </p:childTnLst>
+                                </p:cTn>
+                              </p:par>
+                            </p:childTnLst>
+                          </p:cTn>
+                        </p:par>
+                      </p:childTnLst>
+                    </p:cTn>
+                  </p:par>
+                  <p:par>
+                    <p:cTn id="9" fill="hold">
+                      <p:stCondLst>
+                        <p:cond delay="indefinite"/>
+                      </p:stCondLst>
+                      <p:childTnLst>
+                        <p:par>
+                          <p:cTn id="10" fill="hold">
+                            <p:stCondLst>
+                              <p:cond delay="0"/>
+                            </p:stCondLst>
+                            <p:childTnLst>
+                              <p:par>
+                                <p:cTn id="11" presetID="26" presetClass="emph" presetSubtype="0" fill="hold" nodeType="clickEffect">
+                                  <p:stCondLst>
+                                    <p:cond delay="0"/>
+                                  </p:stCondLst>
+                                  <p:childTnLst>
+                                    <p:animEffect transition="out" filter="fade">
+                                      <p:cBhvr>
+                                        <p:cTn id="12" dur="500" tmFilter="0, 0; .2, .5; .8, .5; 1, 0"/>
+                                        <p:tgtEl>
+                                          <p:spTgt spid="2050"/>
+                                        </p:tgtEl>
+                                      </p:cBhvr>
+                                    </p:animEffect>
+                                    <p:animScale>
+                                      <p:cBhvr>
+                                        <p:cTn id="13" dur="250" autoRev="1" fill="hold"/>
+                                        <p:tgtEl>
+                                          <p:spTgt spid="2050"/>
+                                        </p:tgtEl>
+                                      </p:cBhvr>
+                                      <p:by x="105000" y="105000"/>
+                                    </p:animScale>
+                                  </p:childTnLst>
+                                </p:cTn>
+                              </p:par>
+                            </p:childTnLst>
+                          </p:cTn>
+                        </p:par>
+                      </p:childTnLst>
+                    </p:cTn>
+                  </p:par>
+                  <p:par>
+                    <p:cTn id="14" fill="hold">
+                      <p:stCondLst>
+                        <p:cond delay="indefinite"/>
+                      </p:stCondLst>
+                      <p:childTnLst>
+                        <p:par>
+                          <p:cTn id="15" fill="hold">
+                            <p:stCondLst>
+                              <p:cond delay="0"/>
+                            </p:stCondLst>
+                            <p:childTnLst>
+                              <p:par>
+                                <p:cTn id="16" presetID="2" presetClass="entr" presetSubtype="4" fill="hold" nodeType="clickEffect">
+                                  <p:stCondLst>
+                                    <p:cond delay="0"/>
+                                  </p:stCondLst>
+                                  <p:childTnLst>
+                                    <p:set>
+                                      <p:cBhvr>
+                                        <p:cTn id="17" dur="1" fill="hold">
+                                          <p:stCondLst>
+                                            <p:cond delay="0"/>
+                                          </p:stCondLst>
+                                        </p:cTn>
+                                        <p:tgtEl>
+                                          <p:spTgt spid="2052"/>
+                                        </p:tgtEl>
+                                        <p:attrNameLst>
+                                          <p:attrName>style.visibility</p:attrName>
+                                        </p:attrNameLst>
+                                      </p:cBhvr>
+                                      <p:to>
+                                        <p:strVal val="visible"/>
+                                      </p:to>
+                                    </p:set>
+                                    <p:anim calcmode="lin" valueType="num">
+                                      <p:cBhvr additive="base">
+                                        <p:cTn id="18" dur="500" fill="hold"/>
+                                        <p:tgtEl>
+                                          <p:spTgt spid="2052"/>
+                                        </p:tgtEl>
+                                        <p:attrNameLst>
+                                          <p:attrName>ppt_x</p:attrName>
+                                        </p:attrNameLst>
+                                      </p:cBhvr>
+                                      <p:tavLst>
+                                        <p:tav tm="0">
+                                          <p:val>
+                                            <p:strVal val="#ppt_x"/>
+                                          </p:val>
+                                        </p:tav>
+                                        <p:tav tm="100000">
+                                          <p:val>
+                                            <p:strVal val="#ppt_x"/>
+                                          </p:val>
+                                        </p:tav>
+                                      </p:tavLst>
+                                    </p:anim>
+                                    <p:anim calcmode="lin" valueType="num">
+                                      <p:cBhvr additive="base">
+                                        <p:cTn id="19" dur="500" fill="hold"/>
+                                        <p:tgtEl>
+                                          <p:spTgt spid="2052"/>
+                                        </p:tgtEl>
+                                        <p:attrNameLst>
+                                          <p:attrName>ppt_y</p:attrName>
+                                        </p:attrNameLst>
+                                      </p:cBhvr>
+                                      <p:tavLst>
+                                        <p:tav tm="0">
+                                          <p:val>
+                                            <p:strVal val="1+#ppt_h/2"/>
+                                          </p:val>
+                                        </p:tav>
+                                        <p:tav tm="100000">
+                                          <p:val>
+                                            <p:strVal val="#ppt_y"/>
+                                          </p:val>
+                                        </p:tav>
+                                      </p:tavLst>
+                                    </p:anim>
+                                  </p:childTnLst>
+                                </p:cTn>
+                              </p:par>
+                            </p:childTnLst>
+                          </p:cTn>
+                        </p:par>
+                      </p:childTnLst>
+                    </p:cTn>
+                  </p:par>
+                  <p:par>
+                    <p:cTn id="20" fill="hold">
+                      <p:stCondLst>
+                        <p:cond delay="indefinite"/>
+                      </p:stCondLst>
+                      <p:childTnLst>
+                        <p:par>
+                          <p:cTn id="21" fill="hold">
+                            <p:stCondLst>
+                              <p:cond delay="0"/>
+                            </p:stCondLst>
+                            <p:childTnLst>
+                              <p:par>
+                                <p:cTn id="22" presetID="26" presetClass="emph" presetSubtype="0" fill="hold" nodeType="clickEffect">
+                                  <p:stCondLst>
+                                    <p:cond delay="0"/>
+                                  </p:stCondLst>
+                                  <p:childTnLst>
+                                    <p:animEffect transition="out" filter="fade">
+                                      <p:cBhvr>
+                                        <p:cTn id="23" dur="500" tmFilter="0, 0; .2, .5; .8, .5; 1, 0"/>
+                                        <p:tgtEl>
+                                          <p:spTgt spid="2052"/>
+                                        </p:tgtEl>
+                                      </p:cBhvr>
+                                    </p:animEffect>
+                                    <p:animScale>
+                                      <p:cBhvr>
+                                        <p:cTn id="24" dur="250" autoRev="1" fill="hold"/>
+                                        <p:tgtEl>
+                                          <p:spTgt spid="2052"/>
+                                        </p:tgtEl>
+                                      </p:cBhvr>
+                                      <p:by x="105000" y="105000"/>
+                                    </p:animScale>
+                                  </p:childTnLst>
+                                </p:cTn>
+                              </p:par>
+                            </p:childTnLst>
+                          </p:cTn>
+                        </p:par>
+                      </p:childTnLst>
+                    </p:cTn>
+                  </p:par>
+                  <p:par>
+                    <p:cTn id="25" fill="hold">
+                      <p:stCondLst>
+                        <p:cond delay="indefinite"/>
+                      </p:stCondLst>
+                      <p:childTnLst>
+                        <p:par>
+                          <p:cTn id="26" fill="hold">
+                            <p:stCondLst>
+                              <p:cond delay="0"/>
+                            </p:stCondLst>
+                            <p:childTnLst>
+                              <p:par>
+                                <p:cTn id="27" presetID="2" presetClass="entr" presetSubtype="4" fill="hold" nodeType="clickEffect">
+                                  <p:stCondLst>
+                                    <p:cond delay="0"/>
+                                  </p:stCondLst>
+                                  <p:childTnLst>
+                                    <p:set>
+                                      <p:cBhvr>
+                                        <p:cTn id="28" dur="1" fill="hold">
+                                          <p:stCondLst>
+                                            <p:cond delay="0"/>
+                                          </p:stCondLst>
+                                        </p:cTn>
+                                        <p:tgtEl>
+                                          <p:spTgt spid="2054"/>
+                                        </p:tgtEl>
+                                        <p:attrNameLst>
+                                          <p:attrName>style.visibility</p:attrName>
+                                        </p:attrNameLst>
+                                      </p:cBhvr>
+                                      <p:to>
+                                        <p:strVal val="visible"/>
+                                      </p:to>
+                                    </p:set>
+                                    <p:anim calcmode="lin" valueType="num">
+                                      <p:cBhvr additive="base">
+                                        <p:cTn id="29" dur="500" fill="hold"/>
+                                        <p:tgtEl>
+                                          <p:spTgt spid="2054"/>
+                                        </p:tgtEl>
+                                        <p:attrNameLst>
+                                          <p:attrName>ppt_x</p:attrName>
+                                        </p:attrNameLst>
+                                      </p:cBhvr>
+                                      <p:tavLst>
+                                        <p:tav tm="0">
+                                          <p:val>
+                                            <p:strVal val="#ppt_x"/>
+                                          </p:val>
+                                        </p:tav>
+                                        <p:tav tm="100000">
+                                          <p:val>
+                                            <p:strVal val="#ppt_x"/>
+                                          </p:val>
+                                        </p:tav>
+                                      </p:tavLst>
+                                    </p:anim>
+                                    <p:anim calcmode="lin" valueType="num">
+                                      <p:cBhvr additive="base">
+                                        <p:cTn id="30" dur="500" fill="hold"/>
+                                        <p:tgtEl>
+                                          <p:spTgt spid="2054"/>
+                                        </p:tgtEl>
+                                        <p:attrNameLst>
+                                          <p:attrName>ppt_y</p:attrName>
+                                        </p:attrNameLst>
+                                      </p:cBhvr>
+                                      <p:tavLst>
+                                        <p:tav tm="0">
+                                          <p:val>
+                                            <p:strVal val="1+#ppt_h/2"/>
+                                          </p:val>
+                                        </p:tav>
+                                        <p:tav tm="100000">
+                                          <p:val>
+                                            <p:strVal val="#ppt_y"/>
+                                          </p:val>
+                                        </p:tav>
+                                      </p:tavLst>
+                                    </p:anim>
+                                  </p:childTnLst>
+                                </p:cTn>
+                              </p:par>
+                            </p:childTnLst>
+                          </p:cTn>
+                        </p:par>
+                      </p:childTnLst>
+                    </p:cTn>
+                  </p:par>
+                  <p:par>
+                    <p:cTn id="31" fill="hold">
+                      <p:stCondLst>
+                        <p:cond delay="indefinite"/>
+                      </p:stCondLst>
+                      <p:childTnLst>
+                        <p:par>
+                          <p:cTn id="32" fill="hold">
+                            <p:stCondLst>
+                              <p:cond delay="0"/>
+                            </p:stCondLst>
+                            <p:childTnLst>
+                              <p:par>
+                                <p:cTn id="33" presetID="26" presetClass="emph" presetSubtype="0" fill="hold" nodeType="clickEffect">
+                                  <p:stCondLst>
+                                    <p:cond delay="0"/>
+                                  </p:stCondLst>
+                                  <p:childTnLst>
+                                    <p:animEffect transition="out" filter="fade">
+                                      <p:cBhvr>
+                                        <p:cTn id="34" dur="500" tmFilter="0, 0; .2, .5; .8, .5; 1, 0"/>
+                                        <p:tgtEl>
+                                          <p:spTgt spid="2054"/>
+                                        </p:tgtEl>
+                                      </p:cBhvr>
+                                    </p:animEffect>
+                                    <p:animScale>
+                                      <p:cBhvr>
+                                        <p:cTn id="35" dur="250" autoRev="1" fill="hold"/>
+                                        <p:tgtEl>
+                                          <p:spTgt spid="2054"/>
+                                        </p:tgtEl>
+                                      </p:cBhvr>
+                                      <p:by x="105000" y="105000"/>
+                                    </p:animScale>
+                                  </p:childTnLst>
+                                </p:cTn>
+                              </p:par>
+                            </p:childTnLst>
+                          </p:cTn>
+                        </p:par>
+                      </p:childTnLst>
+                    </p:cTn>
+                  </p:par>
+                  <p:par>
+                    <p:cTn id="36" fill="hold">
+                      <p:stCondLst>
+                        <p:cond delay="indefinite"/>
+                      </p:stCondLst>
+                      <p:childTnLst>
+                        <p:par>
+                          <p:cTn id="37" fill="hold">
+                            <p:stCondLst>
+                              <p:cond delay="0"/>
+                            </p:stCondLst>
+                            <p:childTnLst>
+                              <p:par>
+                                <p:cTn id="38" presetID="2" presetClass="entr" presetSubtype="4" fill="hold" nodeType="clickEffect">
+                                  <p:stCondLst>
+                                    <p:cond delay="0"/>
+                                  </p:stCondLst>
+                                  <p:childTnLst>
+                                    <p:set>
+                                      <p:cBhvr>
+                                        <p:cTn id="39" dur="1" fill="hold">
+                                          <p:stCondLst>
+                                            <p:cond delay="0"/>
+                                          </p:stCondLst>
+                                        </p:cTn>
+                                        <p:tgtEl>
+                                          <p:spTgt spid="2056"/>
+                                        </p:tgtEl>
+                                        <p:attrNameLst>
+                                          <p:attrName>style.visibility</p:attrName>
+                                        </p:attrNameLst>
+                                      </p:cBhvr>
+                                      <p:to>
+                                        <p:strVal val="visible"/>
+                                      </p:to>
+                                    </p:set>
+                                    <p:anim calcmode="lin" valueType="num">
+                                      <p:cBhvr additive="base">
+                                        <p:cTn id="40" dur="500" fill="hold"/>
+                                        <p:tgtEl>
+                                          <p:spTgt spid="2056"/>
+                                        </p:tgtEl>
+                                        <p:attrNameLst>
+                                          <p:attrName>ppt_x</p:attrName>
+                                        </p:attrNameLst>
+                                      </p:cBhvr>
+                                      <p:tavLst>
+                                        <p:tav tm="0">
+                                          <p:val>
+                                            <p:strVal val="#ppt_x"/>
+                                          </p:val>
+                                        </p:tav>
+                                        <p:tav tm="100000">
+                                          <p:val>
+                                            <p:strVal val="#ppt_x"/>
+                                          </p:val>
+                                        </p:tav>
+                                      </p:tavLst>
+                                    </p:anim>
+                                    <p:anim calcmode="lin" valueType="num">
+                                      <p:cBhvr additive="base">
+                                        <p:cTn id="41" dur="500" fill="hold"/>
+                                        <p:tgtEl>
+                                          <p:spTgt spid="2056"/>
+                                        </p:tgtEl>
+                                        <p:attrNameLst>
+                                          <p:attrName>ppt_y</p:attrName>
+                                        </p:attrNameLst>
+                                      </p:cBhvr>
+                                      <p:tavLst>
+                                        <p:tav tm="0">
+                                          <p:val>
+                                            <p:strVal val="1+#ppt_h/2"/>
+                                          </p:val>
+                                        </p:tav>
+                                        <p:tav tm="100000">
+                                          <p:val>
+                                            <p:strVal val="#ppt_y"/>
+                                          </p:val>
+                                        </p:tav>
+                                      </p:tavLst>
+                                    </p:anim>
+                                  </p:childTnLst>
+                                </p:cTn>
+                              </p:par>
+                            </p:childTnLst>
+                          </p:cTn>
+                        </p:par>
+                      </p:childTnLst>
+                    </p:cTn>
+                  </p:par>
+                  <p:par>
+                    <p:cTn id="42" fill="hold">
+                      <p:stCondLst>
+                        <p:cond delay="indefinite"/>
+                      </p:stCondLst>
+                      <p:childTnLst>
+                        <p:par>
+                          <p:cTn id="43" fill="hold">
+                            <p:stCondLst>
+                              <p:cond delay="0"/>
+                            </p:stCondLst>
+                            <p:childTnLst>
+                              <p:par>
+                                <p:cTn id="44" presetID="26" presetClass="emph" presetSubtype="0" fill="hold" nodeType="clickEffect">
+                                  <p:stCondLst>
+                                    <p:cond delay="0"/>
+                                  </p:stCondLst>
+                                  <p:childTnLst>
+                                    <p:animEffect transition="out" filter="fade">
+                                      <p:cBhvr>
+                                        <p:cTn id="45" dur="500" tmFilter="0, 0; .2, .5; .8, .5; 1, 0"/>
+                                        <p:tgtEl>
+                                          <p:spTgt spid="2056"/>
+                                        </p:tgtEl>
+                                      </p:cBhvr>
+                                    </p:animEffect>
+                                    <p:animScale>
+                                      <p:cBhvr>
+                                        <p:cTn id="46" dur="250" autoRev="1" fill="hold"/>
+                                        <p:tgtEl>
+                                          <p:spTgt spid="2056"/>
+                                        </p:tgtEl>
+                                      </p:cBhvr>
+                                      <p:by x="105000" y="105000"/>
+                                    </p:animScale>
+                                  </p:childTnLst>
+                                </p:cTn>
+                              </p:par>
+                            </p:childTnLst>
+                          </p:cTn>
+                        </p:par>
+                      </p:childTnLst>
+                    </p:cTn>
+                  </p:par>
+                </p:childTnLst>
+              </p:cTn>
+              <p:prevCondLst>
+                <p:cond evt="onPrev" delay="0">
+                  <p:tgtEl>
+                    <p:sldTgt/>
+                  </p:tgtEl>
+                </p:cond>
+              </p:prevCondLst>
+              <p:nextCondLst>
+                <p:cond evt="onNext" delay="0">
+                  <p:tgtEl>
+                    <p:sldTgt/>
+                  </p:tgtEl>
+                </p:cond>
+              </p:nextCondLst>
+            </p:seq>
+          </p:childTnLst>
+        </p:cTn>
+      </p:par>
+    </p:tnLst>
+  </p:timing>
 </p:sld>
 </file>
 
@@ -8507,6 +9846,21 @@
             <a:avLst/>
           </a:prstGeom>
           <a:noFill/>
+          <a:effectLst>
+            <a:glow rad="228600">
+              <a:schemeClr val="accent4">
+                <a:satMod val="175000"/>
+                <a:alpha val="40000"/>
+              </a:schemeClr>
+            </a:glow>
+          </a:effectLst>
+          <a:scene3d>
+            <a:camera prst="orthographicFront"/>
+            <a:lightRig rig="threePt" dir="t"/>
+          </a:scene3d>
+          <a:sp3d>
+            <a:bevelT/>
+          </a:sp3d>
           <a:extLst>
             <a:ext uri="{909E8E84-426E-40DD-AFC4-6F175D3DCCD1}">
               <a14:hiddenFill xmlns:a14="http://schemas.microsoft.com/office/drawing/2010/main">
@@ -8548,6 +9902,14 @@
             <a:avLst/>
           </a:prstGeom>
           <a:noFill/>
+          <a:effectLst>
+            <a:glow rad="139700">
+              <a:schemeClr val="accent4">
+                <a:satMod val="175000"/>
+                <a:alpha val="40000"/>
+              </a:schemeClr>
+            </a:glow>
+          </a:effectLst>
           <a:extLst>
             <a:ext uri="{909E8E84-426E-40DD-AFC4-6F175D3DCCD1}">
               <a14:hiddenFill xmlns:a14="http://schemas.microsoft.com/office/drawing/2010/main">
@@ -8589,6 +9951,21 @@
             <a:avLst/>
           </a:prstGeom>
           <a:noFill/>
+          <a:effectLst>
+            <a:glow rad="228600">
+              <a:schemeClr val="accent1">
+                <a:satMod val="175000"/>
+                <a:alpha val="40000"/>
+              </a:schemeClr>
+            </a:glow>
+          </a:effectLst>
+          <a:scene3d>
+            <a:camera prst="orthographicFront"/>
+            <a:lightRig rig="threePt" dir="t"/>
+          </a:scene3d>
+          <a:sp3d>
+            <a:bevelT/>
+          </a:sp3d>
           <a:extLst>
             <a:ext uri="{909E8E84-426E-40DD-AFC4-6F175D3DCCD1}">
               <a14:hiddenFill xmlns:a14="http://schemas.microsoft.com/office/drawing/2010/main">
@@ -8630,6 +10007,14 @@
             <a:avLst/>
           </a:prstGeom>
           <a:noFill/>
+          <a:effectLst>
+            <a:glow rad="101600">
+              <a:schemeClr val="accent1">
+                <a:satMod val="175000"/>
+                <a:alpha val="40000"/>
+              </a:schemeClr>
+            </a:glow>
+          </a:effectLst>
           <a:extLst>
             <a:ext uri="{909E8E84-426E-40DD-AFC4-6F175D3DCCD1}">
               <a14:hiddenFill xmlns:a14="http://schemas.microsoft.com/office/drawing/2010/main">
@@ -8651,6 +10036,588 @@
   <p:clrMapOvr>
     <a:masterClrMapping/>
   </p:clrMapOvr>
+  <mc:AlternateContent xmlns:mc="http://schemas.openxmlformats.org/markup-compatibility/2006">
+    <mc:Choice xmlns:p15="http://schemas.microsoft.com/office/powerpoint/2012/main" Requires="p15">
+      <p:transition spd="med">
+        <p15:prstTrans prst="curtains"/>
+      </p:transition>
+    </mc:Choice>
+    <mc:Fallback>
+      <p:transition spd="med">
+        <p:fade/>
+      </p:transition>
+    </mc:Fallback>
+  </mc:AlternateContent>
+  <p:timing>
+    <p:tnLst>
+      <p:par>
+        <p:cTn id="1" dur="indefinite" restart="never" nodeType="tmRoot">
+          <p:childTnLst>
+            <p:seq concurrent="1" nextAc="seek">
+              <p:cTn id="2" dur="indefinite" nodeType="mainSeq">
+                <p:childTnLst>
+                  <p:par>
+                    <p:cTn id="3" fill="hold">
+                      <p:stCondLst>
+                        <p:cond delay="indefinite"/>
+                      </p:stCondLst>
+                      <p:childTnLst>
+                        <p:par>
+                          <p:cTn id="4" fill="hold">
+                            <p:stCondLst>
+                              <p:cond delay="0"/>
+                            </p:stCondLst>
+                            <p:childTnLst>
+                              <p:par>
+                                <p:cTn id="5" presetID="2" presetClass="entr" presetSubtype="4" fill="hold" nodeType="clickEffect">
+                                  <p:stCondLst>
+                                    <p:cond delay="0"/>
+                                  </p:stCondLst>
+                                  <p:childTnLst>
+                                    <p:set>
+                                      <p:cBhvr>
+                                        <p:cTn id="6" dur="1" fill="hold">
+                                          <p:stCondLst>
+                                            <p:cond delay="0"/>
+                                          </p:stCondLst>
+                                        </p:cTn>
+                                        <p:tgtEl>
+                                          <p:spTgt spid="1028"/>
+                                        </p:tgtEl>
+                                        <p:attrNameLst>
+                                          <p:attrName>style.visibility</p:attrName>
+                                        </p:attrNameLst>
+                                      </p:cBhvr>
+                                      <p:to>
+                                        <p:strVal val="visible"/>
+                                      </p:to>
+                                    </p:set>
+                                    <p:anim calcmode="lin" valueType="num">
+                                      <p:cBhvr additive="base">
+                                        <p:cTn id="7" dur="500" fill="hold"/>
+                                        <p:tgtEl>
+                                          <p:spTgt spid="1028"/>
+                                        </p:tgtEl>
+                                        <p:attrNameLst>
+                                          <p:attrName>ppt_x</p:attrName>
+                                        </p:attrNameLst>
+                                      </p:cBhvr>
+                                      <p:tavLst>
+                                        <p:tav tm="0">
+                                          <p:val>
+                                            <p:strVal val="#ppt_x"/>
+                                          </p:val>
+                                        </p:tav>
+                                        <p:tav tm="100000">
+                                          <p:val>
+                                            <p:strVal val="#ppt_x"/>
+                                          </p:val>
+                                        </p:tav>
+                                      </p:tavLst>
+                                    </p:anim>
+                                    <p:anim calcmode="lin" valueType="num">
+                                      <p:cBhvr additive="base">
+                                        <p:cTn id="8" dur="500" fill="hold"/>
+                                        <p:tgtEl>
+                                          <p:spTgt spid="1028"/>
+                                        </p:tgtEl>
+                                        <p:attrNameLst>
+                                          <p:attrName>ppt_y</p:attrName>
+                                        </p:attrNameLst>
+                                      </p:cBhvr>
+                                      <p:tavLst>
+                                        <p:tav tm="0">
+                                          <p:val>
+                                            <p:strVal val="1+#ppt_h/2"/>
+                                          </p:val>
+                                        </p:tav>
+                                        <p:tav tm="100000">
+                                          <p:val>
+                                            <p:strVal val="#ppt_y"/>
+                                          </p:val>
+                                        </p:tav>
+                                      </p:tavLst>
+                                    </p:anim>
+                                  </p:childTnLst>
+                                </p:cTn>
+                              </p:par>
+                            </p:childTnLst>
+                          </p:cTn>
+                        </p:par>
+                      </p:childTnLst>
+                    </p:cTn>
+                  </p:par>
+                  <p:par>
+                    <p:cTn id="9" fill="hold">
+                      <p:stCondLst>
+                        <p:cond delay="indefinite"/>
+                      </p:stCondLst>
+                      <p:childTnLst>
+                        <p:par>
+                          <p:cTn id="10" fill="hold">
+                            <p:stCondLst>
+                              <p:cond delay="0"/>
+                            </p:stCondLst>
+                            <p:childTnLst>
+                              <p:par>
+                                <p:cTn id="11" presetID="26" presetClass="emph" presetSubtype="0" fill="hold" nodeType="clickEffect">
+                                  <p:stCondLst>
+                                    <p:cond delay="0"/>
+                                  </p:stCondLst>
+                                  <p:childTnLst>
+                                    <p:animEffect transition="out" filter="fade">
+                                      <p:cBhvr>
+                                        <p:cTn id="12" dur="500" tmFilter="0, 0; .2, .5; .8, .5; 1, 0"/>
+                                        <p:tgtEl>
+                                          <p:spTgt spid="1028"/>
+                                        </p:tgtEl>
+                                      </p:cBhvr>
+                                    </p:animEffect>
+                                    <p:animScale>
+                                      <p:cBhvr>
+                                        <p:cTn id="13" dur="250" autoRev="1" fill="hold"/>
+                                        <p:tgtEl>
+                                          <p:spTgt spid="1028"/>
+                                        </p:tgtEl>
+                                      </p:cBhvr>
+                                      <p:by x="105000" y="105000"/>
+                                    </p:animScale>
+                                  </p:childTnLst>
+                                </p:cTn>
+                              </p:par>
+                            </p:childTnLst>
+                          </p:cTn>
+                        </p:par>
+                      </p:childTnLst>
+                    </p:cTn>
+                  </p:par>
+                  <p:par>
+                    <p:cTn id="14" fill="hold">
+                      <p:stCondLst>
+                        <p:cond delay="indefinite"/>
+                      </p:stCondLst>
+                      <p:childTnLst>
+                        <p:par>
+                          <p:cTn id="15" fill="hold">
+                            <p:stCondLst>
+                              <p:cond delay="0"/>
+                            </p:stCondLst>
+                            <p:childTnLst>
+                              <p:par>
+                                <p:cTn id="16" presetID="2" presetClass="entr" presetSubtype="4" fill="hold" nodeType="clickEffect">
+                                  <p:stCondLst>
+                                    <p:cond delay="0"/>
+                                  </p:stCondLst>
+                                  <p:childTnLst>
+                                    <p:set>
+                                      <p:cBhvr>
+                                        <p:cTn id="17" dur="1" fill="hold">
+                                          <p:stCondLst>
+                                            <p:cond delay="0"/>
+                                          </p:stCondLst>
+                                        </p:cTn>
+                                        <p:tgtEl>
+                                          <p:spTgt spid="1030"/>
+                                        </p:tgtEl>
+                                        <p:attrNameLst>
+                                          <p:attrName>style.visibility</p:attrName>
+                                        </p:attrNameLst>
+                                      </p:cBhvr>
+                                      <p:to>
+                                        <p:strVal val="visible"/>
+                                      </p:to>
+                                    </p:set>
+                                    <p:anim calcmode="lin" valueType="num">
+                                      <p:cBhvr additive="base">
+                                        <p:cTn id="18" dur="500" fill="hold"/>
+                                        <p:tgtEl>
+                                          <p:spTgt spid="1030"/>
+                                        </p:tgtEl>
+                                        <p:attrNameLst>
+                                          <p:attrName>ppt_x</p:attrName>
+                                        </p:attrNameLst>
+                                      </p:cBhvr>
+                                      <p:tavLst>
+                                        <p:tav tm="0">
+                                          <p:val>
+                                            <p:strVal val="#ppt_x"/>
+                                          </p:val>
+                                        </p:tav>
+                                        <p:tav tm="100000">
+                                          <p:val>
+                                            <p:strVal val="#ppt_x"/>
+                                          </p:val>
+                                        </p:tav>
+                                      </p:tavLst>
+                                    </p:anim>
+                                    <p:anim calcmode="lin" valueType="num">
+                                      <p:cBhvr additive="base">
+                                        <p:cTn id="19" dur="500" fill="hold"/>
+                                        <p:tgtEl>
+                                          <p:spTgt spid="1030"/>
+                                        </p:tgtEl>
+                                        <p:attrNameLst>
+                                          <p:attrName>ppt_y</p:attrName>
+                                        </p:attrNameLst>
+                                      </p:cBhvr>
+                                      <p:tavLst>
+                                        <p:tav tm="0">
+                                          <p:val>
+                                            <p:strVal val="1+#ppt_h/2"/>
+                                          </p:val>
+                                        </p:tav>
+                                        <p:tav tm="100000">
+                                          <p:val>
+                                            <p:strVal val="#ppt_y"/>
+                                          </p:val>
+                                        </p:tav>
+                                      </p:tavLst>
+                                    </p:anim>
+                                  </p:childTnLst>
+                                </p:cTn>
+                              </p:par>
+                            </p:childTnLst>
+                          </p:cTn>
+                        </p:par>
+                      </p:childTnLst>
+                    </p:cTn>
+                  </p:par>
+                  <p:par>
+                    <p:cTn id="20" fill="hold">
+                      <p:stCondLst>
+                        <p:cond delay="indefinite"/>
+                      </p:stCondLst>
+                      <p:childTnLst>
+                        <p:par>
+                          <p:cTn id="21" fill="hold">
+                            <p:stCondLst>
+                              <p:cond delay="0"/>
+                            </p:stCondLst>
+                            <p:childTnLst>
+                              <p:par>
+                                <p:cTn id="22" presetID="26" presetClass="emph" presetSubtype="0" fill="hold" nodeType="clickEffect">
+                                  <p:stCondLst>
+                                    <p:cond delay="0"/>
+                                  </p:stCondLst>
+                                  <p:childTnLst>
+                                    <p:animEffect transition="out" filter="fade">
+                                      <p:cBhvr>
+                                        <p:cTn id="23" dur="500" tmFilter="0, 0; .2, .5; .8, .5; 1, 0"/>
+                                        <p:tgtEl>
+                                          <p:spTgt spid="1030"/>
+                                        </p:tgtEl>
+                                      </p:cBhvr>
+                                    </p:animEffect>
+                                    <p:animScale>
+                                      <p:cBhvr>
+                                        <p:cTn id="24" dur="250" autoRev="1" fill="hold"/>
+                                        <p:tgtEl>
+                                          <p:spTgt spid="1030"/>
+                                        </p:tgtEl>
+                                      </p:cBhvr>
+                                      <p:by x="105000" y="105000"/>
+                                    </p:animScale>
+                                  </p:childTnLst>
+                                </p:cTn>
+                              </p:par>
+                            </p:childTnLst>
+                          </p:cTn>
+                        </p:par>
+                      </p:childTnLst>
+                    </p:cTn>
+                  </p:par>
+                  <p:par>
+                    <p:cTn id="25" fill="hold">
+                      <p:stCondLst>
+                        <p:cond delay="indefinite"/>
+                      </p:stCondLst>
+                      <p:childTnLst>
+                        <p:par>
+                          <p:cTn id="26" fill="hold">
+                            <p:stCondLst>
+                              <p:cond delay="0"/>
+                            </p:stCondLst>
+                            <p:childTnLst>
+                              <p:par>
+                                <p:cTn id="27" presetID="2" presetClass="entr" presetSubtype="4" fill="hold" nodeType="clickEffect">
+                                  <p:stCondLst>
+                                    <p:cond delay="0"/>
+                                  </p:stCondLst>
+                                  <p:childTnLst>
+                                    <p:set>
+                                      <p:cBhvr>
+                                        <p:cTn id="28" dur="1" fill="hold">
+                                          <p:stCondLst>
+                                            <p:cond delay="0"/>
+                                          </p:stCondLst>
+                                        </p:cTn>
+                                        <p:tgtEl>
+                                          <p:spTgt spid="1026"/>
+                                        </p:tgtEl>
+                                        <p:attrNameLst>
+                                          <p:attrName>style.visibility</p:attrName>
+                                        </p:attrNameLst>
+                                      </p:cBhvr>
+                                      <p:to>
+                                        <p:strVal val="visible"/>
+                                      </p:to>
+                                    </p:set>
+                                    <p:anim calcmode="lin" valueType="num">
+                                      <p:cBhvr additive="base">
+                                        <p:cTn id="29" dur="500" fill="hold"/>
+                                        <p:tgtEl>
+                                          <p:spTgt spid="1026"/>
+                                        </p:tgtEl>
+                                        <p:attrNameLst>
+                                          <p:attrName>ppt_x</p:attrName>
+                                        </p:attrNameLst>
+                                      </p:cBhvr>
+                                      <p:tavLst>
+                                        <p:tav tm="0">
+                                          <p:val>
+                                            <p:strVal val="#ppt_x"/>
+                                          </p:val>
+                                        </p:tav>
+                                        <p:tav tm="100000">
+                                          <p:val>
+                                            <p:strVal val="#ppt_x"/>
+                                          </p:val>
+                                        </p:tav>
+                                      </p:tavLst>
+                                    </p:anim>
+                                    <p:anim calcmode="lin" valueType="num">
+                                      <p:cBhvr additive="base">
+                                        <p:cTn id="30" dur="500" fill="hold"/>
+                                        <p:tgtEl>
+                                          <p:spTgt spid="1026"/>
+                                        </p:tgtEl>
+                                        <p:attrNameLst>
+                                          <p:attrName>ppt_y</p:attrName>
+                                        </p:attrNameLst>
+                                      </p:cBhvr>
+                                      <p:tavLst>
+                                        <p:tav tm="0">
+                                          <p:val>
+                                            <p:strVal val="1+#ppt_h/2"/>
+                                          </p:val>
+                                        </p:tav>
+                                        <p:tav tm="100000">
+                                          <p:val>
+                                            <p:strVal val="#ppt_y"/>
+                                          </p:val>
+                                        </p:tav>
+                                      </p:tavLst>
+                                    </p:anim>
+                                  </p:childTnLst>
+                                </p:cTn>
+                              </p:par>
+                            </p:childTnLst>
+                          </p:cTn>
+                        </p:par>
+                      </p:childTnLst>
+                    </p:cTn>
+                  </p:par>
+                  <p:par>
+                    <p:cTn id="31" fill="hold">
+                      <p:stCondLst>
+                        <p:cond delay="indefinite"/>
+                      </p:stCondLst>
+                      <p:childTnLst>
+                        <p:par>
+                          <p:cTn id="32" fill="hold">
+                            <p:stCondLst>
+                              <p:cond delay="0"/>
+                            </p:stCondLst>
+                            <p:childTnLst>
+                              <p:par>
+                                <p:cTn id="33" presetID="26" presetClass="emph" presetSubtype="0" fill="hold" nodeType="clickEffect">
+                                  <p:stCondLst>
+                                    <p:cond delay="0"/>
+                                  </p:stCondLst>
+                                  <p:childTnLst>
+                                    <p:animEffect transition="out" filter="fade">
+                                      <p:cBhvr>
+                                        <p:cTn id="34" dur="500" tmFilter="0, 0; .2, .5; .8, .5; 1, 0"/>
+                                        <p:tgtEl>
+                                          <p:spTgt spid="1026"/>
+                                        </p:tgtEl>
+                                      </p:cBhvr>
+                                    </p:animEffect>
+                                    <p:animScale>
+                                      <p:cBhvr>
+                                        <p:cTn id="35" dur="250" autoRev="1" fill="hold"/>
+                                        <p:tgtEl>
+                                          <p:spTgt spid="1026"/>
+                                        </p:tgtEl>
+                                      </p:cBhvr>
+                                      <p:by x="105000" y="105000"/>
+                                    </p:animScale>
+                                  </p:childTnLst>
+                                </p:cTn>
+                              </p:par>
+                            </p:childTnLst>
+                          </p:cTn>
+                        </p:par>
+                      </p:childTnLst>
+                    </p:cTn>
+                  </p:par>
+                  <p:par>
+                    <p:cTn id="36" fill="hold">
+                      <p:stCondLst>
+                        <p:cond delay="indefinite"/>
+                      </p:stCondLst>
+                      <p:childTnLst>
+                        <p:par>
+                          <p:cTn id="37" fill="hold">
+                            <p:stCondLst>
+                              <p:cond delay="0"/>
+                            </p:stCondLst>
+                            <p:childTnLst>
+                              <p:par>
+                                <p:cTn id="38" presetID="2" presetClass="entr" presetSubtype="4" fill="hold" nodeType="clickEffect">
+                                  <p:stCondLst>
+                                    <p:cond delay="0"/>
+                                  </p:stCondLst>
+                                  <p:childTnLst>
+                                    <p:set>
+                                      <p:cBhvr>
+                                        <p:cTn id="39" dur="1" fill="hold">
+                                          <p:stCondLst>
+                                            <p:cond delay="0"/>
+                                          </p:stCondLst>
+                                        </p:cTn>
+                                        <p:tgtEl>
+                                          <p:spTgt spid="1032"/>
+                                        </p:tgtEl>
+                                        <p:attrNameLst>
+                                          <p:attrName>style.visibility</p:attrName>
+                                        </p:attrNameLst>
+                                      </p:cBhvr>
+                                      <p:to>
+                                        <p:strVal val="visible"/>
+                                      </p:to>
+                                    </p:set>
+                                    <p:anim calcmode="lin" valueType="num">
+                                      <p:cBhvr additive="base">
+                                        <p:cTn id="40" dur="500" fill="hold"/>
+                                        <p:tgtEl>
+                                          <p:spTgt spid="1032"/>
+                                        </p:tgtEl>
+                                        <p:attrNameLst>
+                                          <p:attrName>ppt_x</p:attrName>
+                                        </p:attrNameLst>
+                                      </p:cBhvr>
+                                      <p:tavLst>
+                                        <p:tav tm="0">
+                                          <p:val>
+                                            <p:strVal val="#ppt_x"/>
+                                          </p:val>
+                                        </p:tav>
+                                        <p:tav tm="100000">
+                                          <p:val>
+                                            <p:strVal val="#ppt_x"/>
+                                          </p:val>
+                                        </p:tav>
+                                      </p:tavLst>
+                                    </p:anim>
+                                    <p:anim calcmode="lin" valueType="num">
+                                      <p:cBhvr additive="base">
+                                        <p:cTn id="41" dur="500" fill="hold"/>
+                                        <p:tgtEl>
+                                          <p:spTgt spid="1032"/>
+                                        </p:tgtEl>
+                                        <p:attrNameLst>
+                                          <p:attrName>ppt_y</p:attrName>
+                                        </p:attrNameLst>
+                                      </p:cBhvr>
+                                      <p:tavLst>
+                                        <p:tav tm="0">
+                                          <p:val>
+                                            <p:strVal val="1+#ppt_h/2"/>
+                                          </p:val>
+                                        </p:tav>
+                                        <p:tav tm="100000">
+                                          <p:val>
+                                            <p:strVal val="#ppt_y"/>
+                                          </p:val>
+                                        </p:tav>
+                                      </p:tavLst>
+                                    </p:anim>
+                                  </p:childTnLst>
+                                </p:cTn>
+                              </p:par>
+                            </p:childTnLst>
+                          </p:cTn>
+                        </p:par>
+                      </p:childTnLst>
+                    </p:cTn>
+                  </p:par>
+                  <p:par>
+                    <p:cTn id="42" fill="hold">
+                      <p:stCondLst>
+                        <p:cond delay="indefinite"/>
+                      </p:stCondLst>
+                      <p:childTnLst>
+                        <p:par>
+                          <p:cTn id="43" fill="hold">
+                            <p:stCondLst>
+                              <p:cond delay="0"/>
+                            </p:stCondLst>
+                            <p:childTnLst>
+                              <p:par>
+                                <p:cTn id="44" presetID="26" presetClass="emph" presetSubtype="0" fill="hold" nodeType="clickEffect">
+                                  <p:stCondLst>
+                                    <p:cond delay="0"/>
+                                  </p:stCondLst>
+                                  <p:childTnLst>
+                                    <p:animEffect transition="out" filter="fade">
+                                      <p:cBhvr>
+                                        <p:cTn id="45" dur="500" tmFilter="0, 0; .2, .5; .8, .5; 1, 0"/>
+                                        <p:tgtEl>
+                                          <p:spTgt spid="1032"/>
+                                        </p:tgtEl>
+                                      </p:cBhvr>
+                                    </p:animEffect>
+                                    <p:animScale>
+                                      <p:cBhvr>
+                                        <p:cTn id="46" dur="250" autoRev="1" fill="hold"/>
+                                        <p:tgtEl>
+                                          <p:spTgt spid="1032"/>
+                                        </p:tgtEl>
+                                      </p:cBhvr>
+                                      <p:by x="105000" y="105000"/>
+                                    </p:animScale>
+                                  </p:childTnLst>
+                                </p:cTn>
+                              </p:par>
+                            </p:childTnLst>
+                          </p:cTn>
+                        </p:par>
+                      </p:childTnLst>
+                    </p:cTn>
+                  </p:par>
+                </p:childTnLst>
+              </p:cTn>
+              <p:prevCondLst>
+                <p:cond evt="onPrev" delay="0">
+                  <p:tgtEl>
+                    <p:sldTgt/>
+                  </p:tgtEl>
+                </p:cond>
+              </p:prevCondLst>
+              <p:nextCondLst>
+                <p:cond evt="onNext" delay="0">
+                  <p:tgtEl>
+                    <p:sldTgt/>
+                  </p:tgtEl>
+                </p:cond>
+              </p:nextCondLst>
+            </p:seq>
+          </p:childTnLst>
+        </p:cTn>
+      </p:par>
+    </p:tnLst>
+  </p:timing>
 </p:sld>
 </file>
 
@@ -8837,6 +10804,21 @@
           <a:prstGeom prst="rect">
             <a:avLst/>
           </a:prstGeom>
+          <a:effectLst>
+            <a:glow rad="228600">
+              <a:schemeClr val="accent6">
+                <a:satMod val="175000"/>
+                <a:alpha val="40000"/>
+              </a:schemeClr>
+            </a:glow>
+          </a:effectLst>
+          <a:scene3d>
+            <a:camera prst="orthographicFront"/>
+            <a:lightRig rig="threePt" dir="t"/>
+          </a:scene3d>
+          <a:sp3d>
+            <a:bevelT/>
+          </a:sp3d>
         </p:spPr>
       </p:pic>
     </p:spTree>
@@ -8849,6 +10831,183 @@
   <p:clrMapOvr>
     <a:masterClrMapping/>
   </p:clrMapOvr>
+  <mc:AlternateContent xmlns:mc="http://schemas.openxmlformats.org/markup-compatibility/2006">
+    <mc:Choice xmlns:p15="http://schemas.microsoft.com/office/powerpoint/2012/main" Requires="p15">
+      <p:transition spd="med">
+        <p15:prstTrans prst="curtains"/>
+      </p:transition>
+    </mc:Choice>
+    <mc:Fallback>
+      <p:transition spd="med">
+        <p:fade/>
+      </p:transition>
+    </mc:Fallback>
+  </mc:AlternateContent>
+  <p:timing>
+    <p:tnLst>
+      <p:par>
+        <p:cTn id="1" dur="indefinite" restart="never" nodeType="tmRoot">
+          <p:childTnLst>
+            <p:seq concurrent="1" nextAc="seek">
+              <p:cTn id="2" dur="indefinite" nodeType="mainSeq">
+                <p:childTnLst>
+                  <p:par>
+                    <p:cTn id="3" fill="hold">
+                      <p:stCondLst>
+                        <p:cond delay="indefinite"/>
+                      </p:stCondLst>
+                      <p:childTnLst>
+                        <p:par>
+                          <p:cTn id="4" fill="hold">
+                            <p:stCondLst>
+                              <p:cond delay="0"/>
+                            </p:stCondLst>
+                            <p:childTnLst>
+                              <p:par>
+                                <p:cTn id="5" presetID="2" presetClass="entr" presetSubtype="4" fill="hold" nodeType="clickEffect">
+                                  <p:stCondLst>
+                                    <p:cond delay="0"/>
+                                  </p:stCondLst>
+                                  <p:childTnLst>
+                                    <p:set>
+                                      <p:cBhvr>
+                                        <p:cTn id="6" dur="1" fill="hold">
+                                          <p:stCondLst>
+                                            <p:cond delay="0"/>
+                                          </p:stCondLst>
+                                        </p:cTn>
+                                        <p:tgtEl>
+                                          <p:spTgt spid="4"/>
+                                        </p:tgtEl>
+                                        <p:attrNameLst>
+                                          <p:attrName>style.visibility</p:attrName>
+                                        </p:attrNameLst>
+                                      </p:cBhvr>
+                                      <p:to>
+                                        <p:strVal val="visible"/>
+                                      </p:to>
+                                    </p:set>
+                                    <p:anim calcmode="lin" valueType="num">
+                                      <p:cBhvr additive="base">
+                                        <p:cTn id="7" dur="500" fill="hold"/>
+                                        <p:tgtEl>
+                                          <p:spTgt spid="4"/>
+                                        </p:tgtEl>
+                                        <p:attrNameLst>
+                                          <p:attrName>ppt_x</p:attrName>
+                                        </p:attrNameLst>
+                                      </p:cBhvr>
+                                      <p:tavLst>
+                                        <p:tav tm="0">
+                                          <p:val>
+                                            <p:strVal val="#ppt_x"/>
+                                          </p:val>
+                                        </p:tav>
+                                        <p:tav tm="100000">
+                                          <p:val>
+                                            <p:strVal val="#ppt_x"/>
+                                          </p:val>
+                                        </p:tav>
+                                      </p:tavLst>
+                                    </p:anim>
+                                    <p:anim calcmode="lin" valueType="num">
+                                      <p:cBhvr additive="base">
+                                        <p:cTn id="8" dur="500" fill="hold"/>
+                                        <p:tgtEl>
+                                          <p:spTgt spid="4"/>
+                                        </p:tgtEl>
+                                        <p:attrNameLst>
+                                          <p:attrName>ppt_y</p:attrName>
+                                        </p:attrNameLst>
+                                      </p:cBhvr>
+                                      <p:tavLst>
+                                        <p:tav tm="0">
+                                          <p:val>
+                                            <p:strVal val="1+#ppt_h/2"/>
+                                          </p:val>
+                                        </p:tav>
+                                        <p:tav tm="100000">
+                                          <p:val>
+                                            <p:strVal val="#ppt_y"/>
+                                          </p:val>
+                                        </p:tav>
+                                      </p:tavLst>
+                                    </p:anim>
+                                  </p:childTnLst>
+                                </p:cTn>
+                              </p:par>
+                            </p:childTnLst>
+                          </p:cTn>
+                        </p:par>
+                      </p:childTnLst>
+                    </p:cTn>
+                  </p:par>
+                  <p:par>
+                    <p:cTn id="9" fill="hold">
+                      <p:stCondLst>
+                        <p:cond delay="indefinite"/>
+                      </p:stCondLst>
+                      <p:childTnLst>
+                        <p:par>
+                          <p:cTn id="10" fill="hold">
+                            <p:stCondLst>
+                              <p:cond delay="0"/>
+                            </p:stCondLst>
+                            <p:childTnLst>
+                              <p:par>
+                                <p:cTn id="11" presetID="26" presetClass="emph" presetSubtype="0" fill="hold" nodeType="clickEffect">
+                                  <p:stCondLst>
+                                    <p:cond delay="0"/>
+                                  </p:stCondLst>
+                                  <p:childTnLst>
+                                    <p:animEffect transition="out" filter="fade">
+                                      <p:cBhvr>
+                                        <p:cTn id="12" dur="500" tmFilter="0, 0; .2, .5; .8, .5; 1, 0"/>
+                                        <p:tgtEl>
+                                          <p:spTgt spid="4"/>
+                                        </p:tgtEl>
+                                      </p:cBhvr>
+                                    </p:animEffect>
+                                    <p:animScale>
+                                      <p:cBhvr>
+                                        <p:cTn id="13" dur="250" autoRev="1" fill="hold"/>
+                                        <p:tgtEl>
+                                          <p:spTgt spid="4"/>
+                                        </p:tgtEl>
+                                      </p:cBhvr>
+                                      <p:by x="105000" y="105000"/>
+                                    </p:animScale>
+                                  </p:childTnLst>
+                                </p:cTn>
+                              </p:par>
+                            </p:childTnLst>
+                          </p:cTn>
+                        </p:par>
+                      </p:childTnLst>
+                    </p:cTn>
+                  </p:par>
+                </p:childTnLst>
+              </p:cTn>
+              <p:prevCondLst>
+                <p:cond evt="onPrev" delay="0">
+                  <p:tgtEl>
+                    <p:sldTgt/>
+                  </p:tgtEl>
+                </p:cond>
+              </p:prevCondLst>
+              <p:nextCondLst>
+                <p:cond evt="onNext" delay="0">
+                  <p:tgtEl>
+                    <p:sldTgt/>
+                  </p:tgtEl>
+                </p:cond>
+              </p:nextCondLst>
+            </p:seq>
+          </p:childTnLst>
+        </p:cTn>
+      </p:par>
+    </p:tnLst>
+  </p:timing>
 </p:sld>
 </file>
 
@@ -8941,6 +11100,18 @@
   <p:clrMapOvr>
     <a:masterClrMapping/>
   </p:clrMapOvr>
+  <mc:AlternateContent xmlns:mc="http://schemas.openxmlformats.org/markup-compatibility/2006">
+    <mc:Choice xmlns:p15="http://schemas.microsoft.com/office/powerpoint/2012/main" Requires="p15">
+      <p:transition spd="med">
+        <p15:prstTrans prst="curtains"/>
+      </p:transition>
+    </mc:Choice>
+    <mc:Fallback>
+      <p:transition spd="med">
+        <p:fade/>
+      </p:transition>
+    </mc:Fallback>
+  </mc:AlternateContent>
   <p:timing>
     <p:tnLst>
       <p:par>
@@ -9112,6 +11283,18 @@
   <p:clrMapOvr>
     <a:masterClrMapping/>
   </p:clrMapOvr>
+  <mc:AlternateContent xmlns:mc="http://schemas.openxmlformats.org/markup-compatibility/2006">
+    <mc:Choice xmlns:p15="http://schemas.microsoft.com/office/powerpoint/2012/main" Requires="p15">
+      <p:transition spd="med">
+        <p15:prstTrans prst="curtains"/>
+      </p:transition>
+    </mc:Choice>
+    <mc:Fallback>
+      <p:transition spd="med">
+        <p:fade/>
+      </p:transition>
+    </mc:Fallback>
+  </mc:AlternateContent>
   <p:timing>
     <p:tnLst>
       <p:par>
@@ -9211,6 +11394,18 @@
   <p:clrMapOvr>
     <a:masterClrMapping/>
   </p:clrMapOvr>
+  <mc:AlternateContent xmlns:mc="http://schemas.openxmlformats.org/markup-compatibility/2006">
+    <mc:Choice xmlns:p15="http://schemas.microsoft.com/office/powerpoint/2012/main" Requires="p15">
+      <p:transition spd="med">
+        <p15:prstTrans prst="curtains"/>
+      </p:transition>
+    </mc:Choice>
+    <mc:Fallback>
+      <p:transition spd="med">
+        <p:fade/>
+      </p:transition>
+    </mc:Fallback>
+  </mc:AlternateContent>
   <p:timing>
     <p:tnLst>
       <p:par>
@@ -9310,6 +11505,18 @@
   <p:clrMapOvr>
     <a:masterClrMapping/>
   </p:clrMapOvr>
+  <mc:AlternateContent xmlns:mc="http://schemas.openxmlformats.org/markup-compatibility/2006">
+    <mc:Choice xmlns:p15="http://schemas.microsoft.com/office/powerpoint/2012/main" Requires="p15">
+      <p:transition spd="med">
+        <p15:prstTrans prst="curtains"/>
+      </p:transition>
+    </mc:Choice>
+    <mc:Fallback>
+      <p:transition spd="med">
+        <p:fade/>
+      </p:transition>
+    </mc:Fallback>
+  </mc:AlternateContent>
   <p:timing>
     <p:tnLst>
       <p:par>
@@ -9398,6 +11605,62 @@
           </a:p>
         </p:txBody>
       </p:sp>
+      <p:pic>
+        <p:nvPicPr>
+          <p:cNvPr id="4098" name="Picture 2" descr="Premium Photo | Hacker in an orange hood genius of the computer world  numbers and matrix"/>
+          <p:cNvPicPr>
+            <a:picLocks noChangeAspect="1" noChangeArrowheads="1"/>
+          </p:cNvPicPr>
+          <p:nvPr/>
+        </p:nvPicPr>
+        <p:blipFill>
+          <a:blip r:embed="rId2" cstate="print">
+            <a:extLst>
+              <a:ext uri="{28A0092B-C50C-407E-A947-70E740481C1C}">
+                <a14:useLocalDpi xmlns:a14="http://schemas.microsoft.com/office/drawing/2010/main" val="0"/>
+              </a:ext>
+            </a:extLst>
+          </a:blip>
+          <a:srcRect/>
+          <a:stretch>
+            <a:fillRect/>
+          </a:stretch>
+        </p:blipFill>
+        <p:spPr bwMode="auto">
+          <a:xfrm>
+            <a:off x="680321" y="4027054"/>
+            <a:ext cx="3688479" cy="2830945"/>
+          </a:xfrm>
+          <a:prstGeom prst="rect">
+            <a:avLst/>
+          </a:prstGeom>
+          <a:noFill/>
+          <a:effectLst>
+            <a:glow rad="228600">
+              <a:schemeClr val="accent1">
+                <a:satMod val="175000"/>
+                <a:alpha val="40000"/>
+              </a:schemeClr>
+            </a:glow>
+          </a:effectLst>
+          <a:scene3d>
+            <a:camera prst="orthographicFront"/>
+            <a:lightRig rig="threePt" dir="t"/>
+          </a:scene3d>
+          <a:sp3d>
+            <a:bevelT prst="relaxedInset"/>
+          </a:sp3d>
+          <a:extLst>
+            <a:ext uri="{909E8E84-426E-40DD-AFC4-6F175D3DCCD1}">
+              <a14:hiddenFill xmlns:a14="http://schemas.microsoft.com/office/drawing/2010/main">
+                <a:solidFill>
+                  <a:srgbClr val="FFFFFF"/>
+                </a:solidFill>
+              </a14:hiddenFill>
+            </a:ext>
+          </a:extLst>
+        </p:spPr>
+      </p:pic>
     </p:spTree>
     <p:extLst>
       <p:ext uri="{BB962C8B-B14F-4D97-AF65-F5344CB8AC3E}">
@@ -9408,6 +11671,183 @@
   <p:clrMapOvr>
     <a:masterClrMapping/>
   </p:clrMapOvr>
+  <mc:AlternateContent xmlns:mc="http://schemas.openxmlformats.org/markup-compatibility/2006">
+    <mc:Choice xmlns:p15="http://schemas.microsoft.com/office/powerpoint/2012/main" Requires="p15">
+      <p:transition spd="med">
+        <p15:prstTrans prst="curtains"/>
+      </p:transition>
+    </mc:Choice>
+    <mc:Fallback>
+      <p:transition spd="med">
+        <p:fade/>
+      </p:transition>
+    </mc:Fallback>
+  </mc:AlternateContent>
+  <p:timing>
+    <p:tnLst>
+      <p:par>
+        <p:cTn id="1" dur="indefinite" restart="never" nodeType="tmRoot">
+          <p:childTnLst>
+            <p:seq concurrent="1" nextAc="seek">
+              <p:cTn id="2" dur="indefinite" nodeType="mainSeq">
+                <p:childTnLst>
+                  <p:par>
+                    <p:cTn id="3" fill="hold">
+                      <p:stCondLst>
+                        <p:cond delay="indefinite"/>
+                      </p:stCondLst>
+                      <p:childTnLst>
+                        <p:par>
+                          <p:cTn id="4" fill="hold">
+                            <p:stCondLst>
+                              <p:cond delay="0"/>
+                            </p:stCondLst>
+                            <p:childTnLst>
+                              <p:par>
+                                <p:cTn id="5" presetID="2" presetClass="entr" presetSubtype="4" fill="hold" nodeType="clickEffect">
+                                  <p:stCondLst>
+                                    <p:cond delay="0"/>
+                                  </p:stCondLst>
+                                  <p:childTnLst>
+                                    <p:set>
+                                      <p:cBhvr>
+                                        <p:cTn id="6" dur="1" fill="hold">
+                                          <p:stCondLst>
+                                            <p:cond delay="0"/>
+                                          </p:stCondLst>
+                                        </p:cTn>
+                                        <p:tgtEl>
+                                          <p:spTgt spid="4098"/>
+                                        </p:tgtEl>
+                                        <p:attrNameLst>
+                                          <p:attrName>style.visibility</p:attrName>
+                                        </p:attrNameLst>
+                                      </p:cBhvr>
+                                      <p:to>
+                                        <p:strVal val="visible"/>
+                                      </p:to>
+                                    </p:set>
+                                    <p:anim calcmode="lin" valueType="num">
+                                      <p:cBhvr additive="base">
+                                        <p:cTn id="7" dur="500" fill="hold"/>
+                                        <p:tgtEl>
+                                          <p:spTgt spid="4098"/>
+                                        </p:tgtEl>
+                                        <p:attrNameLst>
+                                          <p:attrName>ppt_x</p:attrName>
+                                        </p:attrNameLst>
+                                      </p:cBhvr>
+                                      <p:tavLst>
+                                        <p:tav tm="0">
+                                          <p:val>
+                                            <p:strVal val="#ppt_x"/>
+                                          </p:val>
+                                        </p:tav>
+                                        <p:tav tm="100000">
+                                          <p:val>
+                                            <p:strVal val="#ppt_x"/>
+                                          </p:val>
+                                        </p:tav>
+                                      </p:tavLst>
+                                    </p:anim>
+                                    <p:anim calcmode="lin" valueType="num">
+                                      <p:cBhvr additive="base">
+                                        <p:cTn id="8" dur="500" fill="hold"/>
+                                        <p:tgtEl>
+                                          <p:spTgt spid="4098"/>
+                                        </p:tgtEl>
+                                        <p:attrNameLst>
+                                          <p:attrName>ppt_y</p:attrName>
+                                        </p:attrNameLst>
+                                      </p:cBhvr>
+                                      <p:tavLst>
+                                        <p:tav tm="0">
+                                          <p:val>
+                                            <p:strVal val="1+#ppt_h/2"/>
+                                          </p:val>
+                                        </p:tav>
+                                        <p:tav tm="100000">
+                                          <p:val>
+                                            <p:strVal val="#ppt_y"/>
+                                          </p:val>
+                                        </p:tav>
+                                      </p:tavLst>
+                                    </p:anim>
+                                  </p:childTnLst>
+                                </p:cTn>
+                              </p:par>
+                            </p:childTnLst>
+                          </p:cTn>
+                        </p:par>
+                      </p:childTnLst>
+                    </p:cTn>
+                  </p:par>
+                  <p:par>
+                    <p:cTn id="9" fill="hold">
+                      <p:stCondLst>
+                        <p:cond delay="indefinite"/>
+                      </p:stCondLst>
+                      <p:childTnLst>
+                        <p:par>
+                          <p:cTn id="10" fill="hold">
+                            <p:stCondLst>
+                              <p:cond delay="0"/>
+                            </p:stCondLst>
+                            <p:childTnLst>
+                              <p:par>
+                                <p:cTn id="11" presetID="26" presetClass="emph" presetSubtype="0" fill="hold" nodeType="clickEffect">
+                                  <p:stCondLst>
+                                    <p:cond delay="0"/>
+                                  </p:stCondLst>
+                                  <p:childTnLst>
+                                    <p:animEffect transition="out" filter="fade">
+                                      <p:cBhvr>
+                                        <p:cTn id="12" dur="500" tmFilter="0, 0; .2, .5; .8, .5; 1, 0"/>
+                                        <p:tgtEl>
+                                          <p:spTgt spid="4098"/>
+                                        </p:tgtEl>
+                                      </p:cBhvr>
+                                    </p:animEffect>
+                                    <p:animScale>
+                                      <p:cBhvr>
+                                        <p:cTn id="13" dur="250" autoRev="1" fill="hold"/>
+                                        <p:tgtEl>
+                                          <p:spTgt spid="4098"/>
+                                        </p:tgtEl>
+                                      </p:cBhvr>
+                                      <p:by x="105000" y="105000"/>
+                                    </p:animScale>
+                                  </p:childTnLst>
+                                </p:cTn>
+                              </p:par>
+                            </p:childTnLst>
+                          </p:cTn>
+                        </p:par>
+                      </p:childTnLst>
+                    </p:cTn>
+                  </p:par>
+                </p:childTnLst>
+              </p:cTn>
+              <p:prevCondLst>
+                <p:cond evt="onPrev" delay="0">
+                  <p:tgtEl>
+                    <p:sldTgt/>
+                  </p:tgtEl>
+                </p:cond>
+              </p:prevCondLst>
+              <p:nextCondLst>
+                <p:cond evt="onNext" delay="0">
+                  <p:tgtEl>
+                    <p:sldTgt/>
+                  </p:tgtEl>
+                </p:cond>
+              </p:nextCondLst>
+            </p:seq>
+          </p:childTnLst>
+        </p:cTn>
+      </p:par>
+    </p:tnLst>
+  </p:timing>
 </p:sld>
 </file>
 

--- a/Уеб сайт за дистрибуция на Xiaomi.pptx
+++ b/Уеб сайт за дистрибуция на Xiaomi.pptx
@@ -8280,6 +8280,9 @@
                     <p:cTn id="3" fill="hold">
                       <p:stCondLst>
                         <p:cond delay="indefinite"/>
+                        <p:cond evt="onBegin" delay="0">
+                          <p:tn val="2"/>
+                        </p:cond>
                       </p:stCondLst>
                       <p:childTnLst>
                         <p:par>
@@ -8289,7 +8292,7 @@
                             </p:stCondLst>
                             <p:childTnLst>
                               <p:par>
-                                <p:cTn id="5" presetID="2" presetClass="entr" presetSubtype="4" fill="hold" nodeType="clickEffect">
+                                <p:cTn id="5" presetID="2" presetClass="entr" presetSubtype="4" fill="hold" nodeType="afterEffect">
                                   <p:stCondLst>
                                     <p:cond delay="0"/>
                                   </p:stCondLst>
@@ -8364,30 +8367,21 @@
                             </p:childTnLst>
                           </p:cTn>
                         </p:par>
-                      </p:childTnLst>
-                    </p:cTn>
-                  </p:par>
-                  <p:par>
-                    <p:cTn id="9" fill="hold">
-                      <p:stCondLst>
-                        <p:cond delay="indefinite"/>
-                      </p:stCondLst>
-                      <p:childTnLst>
                         <p:par>
-                          <p:cTn id="10" fill="hold">
+                          <p:cTn id="9" fill="hold">
                             <p:stCondLst>
-                              <p:cond delay="0"/>
+                              <p:cond delay="500"/>
                             </p:stCondLst>
                             <p:childTnLst>
                               <p:par>
-                                <p:cTn id="11" presetID="26" presetClass="emph" presetSubtype="0" fill="hold" nodeType="clickEffect">
+                                <p:cTn id="10" presetID="26" presetClass="emph" presetSubtype="0" fill="hold" nodeType="afterEffect">
                                   <p:stCondLst>
                                     <p:cond delay="0"/>
                                   </p:stCondLst>
                                   <p:childTnLst>
                                     <p:animEffect transition="out" filter="fade">
                                       <p:cBhvr>
-                                        <p:cTn id="12" dur="500" tmFilter="0, 0; .2, .5; .8, .5; 1, 0"/>
+                                        <p:cTn id="11" dur="500" tmFilter="0, 0; .2, .5; .8, .5; 1, 0"/>
                                         <p:tgtEl>
                                           <p:spTgt spid="4"/>
                                         </p:tgtEl>
@@ -8395,7 +8389,7 @@
                                     </p:animEffect>
                                     <p:animScale>
                                       <p:cBhvr>
-                                        <p:cTn id="13" dur="250" autoRev="1" fill="hold"/>
+                                        <p:cTn id="12" dur="250" autoRev="1" fill="hold"/>
                                         <p:tgtEl>
                                           <p:spTgt spid="4"/>
                                         </p:tgtEl>
@@ -8572,6 +8566,9 @@
                     <p:cTn id="3" fill="hold">
                       <p:stCondLst>
                         <p:cond delay="indefinite"/>
+                        <p:cond evt="onBegin" delay="0">
+                          <p:tn val="2"/>
+                        </p:cond>
                       </p:stCondLst>
                       <p:childTnLst>
                         <p:par>
@@ -8581,7 +8578,7 @@
                             </p:stCondLst>
                             <p:childTnLst>
                               <p:par>
-                                <p:cTn id="5" presetID="16" presetClass="entr" presetSubtype="37" fill="hold" nodeType="clickEffect">
+                                <p:cTn id="5" presetID="16" presetClass="entr" presetSubtype="37" fill="hold" nodeType="afterEffect">
                                   <p:stCondLst>
                                     <p:cond delay="0"/>
                                   </p:stCondLst>
@@ -8618,30 +8615,21 @@
                             </p:childTnLst>
                           </p:cTn>
                         </p:par>
-                      </p:childTnLst>
-                    </p:cTn>
-                  </p:par>
-                  <p:par>
-                    <p:cTn id="8" fill="hold">
-                      <p:stCondLst>
-                        <p:cond delay="indefinite"/>
-                      </p:stCondLst>
-                      <p:childTnLst>
                         <p:par>
-                          <p:cTn id="9" fill="hold">
+                          <p:cTn id="8" fill="hold">
                             <p:stCondLst>
-                              <p:cond delay="0"/>
+                              <p:cond delay="500"/>
                             </p:stCondLst>
                             <p:childTnLst>
                               <p:par>
-                                <p:cTn id="10" presetID="26" presetClass="emph" presetSubtype="0" fill="hold" nodeType="clickEffect">
+                                <p:cTn id="9" presetID="26" presetClass="emph" presetSubtype="0" fill="hold" nodeType="afterEffect">
                                   <p:stCondLst>
                                     <p:cond delay="0"/>
                                   </p:stCondLst>
                                   <p:childTnLst>
                                     <p:animEffect transition="out" filter="fade">
                                       <p:cBhvr>
-                                        <p:cTn id="11" dur="500" tmFilter="0, 0; .2, .5; .8, .5; 1, 0"/>
+                                        <p:cTn id="10" dur="500" tmFilter="0, 0; .2, .5; .8, .5; 1, 0"/>
                                         <p:tgtEl>
                                           <p:spTgt spid="5"/>
                                         </p:tgtEl>
@@ -8649,7 +8637,7 @@
                                     </p:animEffect>
                                     <p:animScale>
                                       <p:cBhvr>
-                                        <p:cTn id="12" dur="250" autoRev="1" fill="hold"/>
+                                        <p:cTn id="11" dur="250" autoRev="1" fill="hold"/>
                                         <p:tgtEl>
                                           <p:spTgt spid="5"/>
                                         </p:tgtEl>
@@ -9162,6 +9150,9 @@
                     <p:cTn id="3" fill="hold">
                       <p:stCondLst>
                         <p:cond delay="indefinite"/>
+                        <p:cond evt="onBegin" delay="0">
+                          <p:tn val="2"/>
+                        </p:cond>
                       </p:stCondLst>
                       <p:childTnLst>
                         <p:par>
@@ -9171,7 +9162,7 @@
                             </p:stCondLst>
                             <p:childTnLst>
                               <p:par>
-                                <p:cTn id="5" presetID="2" presetClass="entr" presetSubtype="4" fill="hold" nodeType="clickEffect">
+                                <p:cTn id="5" presetID="2" presetClass="entr" presetSubtype="4" fill="hold" nodeType="afterEffect">
                                   <p:stCondLst>
                                     <p:cond delay="0"/>
                                   </p:stCondLst>
@@ -9246,30 +9237,21 @@
                             </p:childTnLst>
                           </p:cTn>
                         </p:par>
-                      </p:childTnLst>
-                    </p:cTn>
-                  </p:par>
-                  <p:par>
-                    <p:cTn id="9" fill="hold">
-                      <p:stCondLst>
-                        <p:cond delay="indefinite"/>
-                      </p:stCondLst>
-                      <p:childTnLst>
                         <p:par>
-                          <p:cTn id="10" fill="hold">
+                          <p:cTn id="9" fill="hold">
                             <p:stCondLst>
-                              <p:cond delay="0"/>
+                              <p:cond delay="500"/>
                             </p:stCondLst>
                             <p:childTnLst>
                               <p:par>
-                                <p:cTn id="11" presetID="26" presetClass="emph" presetSubtype="0" fill="hold" nodeType="clickEffect">
+                                <p:cTn id="10" presetID="26" presetClass="emph" presetSubtype="0" fill="hold" nodeType="afterEffect">
                                   <p:stCondLst>
                                     <p:cond delay="0"/>
                                   </p:stCondLst>
                                   <p:childTnLst>
                                     <p:animEffect transition="out" filter="fade">
                                       <p:cBhvr>
-                                        <p:cTn id="12" dur="500" tmFilter="0, 0; .2, .5; .8, .5; 1, 0"/>
+                                        <p:cTn id="11" dur="500" tmFilter="0, 0; .2, .5; .8, .5; 1, 0"/>
                                         <p:tgtEl>
                                           <p:spTgt spid="2050"/>
                                         </p:tgtEl>
@@ -9277,7 +9259,7 @@
                                     </p:animEffect>
                                     <p:animScale>
                                       <p:cBhvr>
-                                        <p:cTn id="13" dur="250" autoRev="1" fill="hold"/>
+                                        <p:cTn id="12" dur="250" autoRev="1" fill="hold"/>
                                         <p:tgtEl>
                                           <p:spTgt spid="2050"/>
                                         </p:tgtEl>
@@ -9290,30 +9272,21 @@
                             </p:childTnLst>
                           </p:cTn>
                         </p:par>
-                      </p:childTnLst>
-                    </p:cTn>
-                  </p:par>
-                  <p:par>
-                    <p:cTn id="14" fill="hold">
-                      <p:stCondLst>
-                        <p:cond delay="indefinite"/>
-                      </p:stCondLst>
-                      <p:childTnLst>
                         <p:par>
-                          <p:cTn id="15" fill="hold">
+                          <p:cTn id="13" fill="hold">
                             <p:stCondLst>
-                              <p:cond delay="0"/>
+                              <p:cond delay="1000"/>
                             </p:stCondLst>
                             <p:childTnLst>
                               <p:par>
-                                <p:cTn id="16" presetID="2" presetClass="entr" presetSubtype="4" fill="hold" nodeType="clickEffect">
+                                <p:cTn id="14" presetID="2" presetClass="entr" presetSubtype="4" fill="hold" nodeType="afterEffect">
                                   <p:stCondLst>
                                     <p:cond delay="0"/>
                                   </p:stCondLst>
                                   <p:childTnLst>
                                     <p:set>
                                       <p:cBhvr>
-                                        <p:cTn id="17" dur="1" fill="hold">
+                                        <p:cTn id="15" dur="1" fill="hold">
                                           <p:stCondLst>
                                             <p:cond delay="0"/>
                                           </p:stCondLst>
@@ -9331,7 +9304,7 @@
                                     </p:set>
                                     <p:anim calcmode="lin" valueType="num">
                                       <p:cBhvr additive="base">
-                                        <p:cTn id="18" dur="500" fill="hold"/>
+                                        <p:cTn id="16" dur="500" fill="hold"/>
                                         <p:tgtEl>
                                           <p:spTgt spid="2052"/>
                                         </p:tgtEl>
@@ -9354,7 +9327,7 @@
                                     </p:anim>
                                     <p:anim calcmode="lin" valueType="num">
                                       <p:cBhvr additive="base">
-                                        <p:cTn id="19" dur="500" fill="hold"/>
+                                        <p:cTn id="17" dur="500" fill="hold"/>
                                         <p:tgtEl>
                                           <p:spTgt spid="2052"/>
                                         </p:tgtEl>
@@ -9381,30 +9354,21 @@
                             </p:childTnLst>
                           </p:cTn>
                         </p:par>
-                      </p:childTnLst>
-                    </p:cTn>
-                  </p:par>
-                  <p:par>
-                    <p:cTn id="20" fill="hold">
-                      <p:stCondLst>
-                        <p:cond delay="indefinite"/>
-                      </p:stCondLst>
-                      <p:childTnLst>
                         <p:par>
-                          <p:cTn id="21" fill="hold">
+                          <p:cTn id="18" fill="hold">
                             <p:stCondLst>
-                              <p:cond delay="0"/>
+                              <p:cond delay="1500"/>
                             </p:stCondLst>
                             <p:childTnLst>
                               <p:par>
-                                <p:cTn id="22" presetID="26" presetClass="emph" presetSubtype="0" fill="hold" nodeType="clickEffect">
+                                <p:cTn id="19" presetID="26" presetClass="emph" presetSubtype="0" fill="hold" nodeType="afterEffect">
                                   <p:stCondLst>
                                     <p:cond delay="0"/>
                                   </p:stCondLst>
                                   <p:childTnLst>
                                     <p:animEffect transition="out" filter="fade">
                                       <p:cBhvr>
-                                        <p:cTn id="23" dur="500" tmFilter="0, 0; .2, .5; .8, .5; 1, 0"/>
+                                        <p:cTn id="20" dur="500" tmFilter="0, 0; .2, .5; .8, .5; 1, 0"/>
                                         <p:tgtEl>
                                           <p:spTgt spid="2052"/>
                                         </p:tgtEl>
@@ -9412,7 +9376,7 @@
                                     </p:animEffect>
                                     <p:animScale>
                                       <p:cBhvr>
-                                        <p:cTn id="24" dur="250" autoRev="1" fill="hold"/>
+                                        <p:cTn id="21" dur="250" autoRev="1" fill="hold"/>
                                         <p:tgtEl>
                                           <p:spTgt spid="2052"/>
                                         </p:tgtEl>
@@ -9425,30 +9389,21 @@
                             </p:childTnLst>
                           </p:cTn>
                         </p:par>
-                      </p:childTnLst>
-                    </p:cTn>
-                  </p:par>
-                  <p:par>
-                    <p:cTn id="25" fill="hold">
-                      <p:stCondLst>
-                        <p:cond delay="indefinite"/>
-                      </p:stCondLst>
-                      <p:childTnLst>
                         <p:par>
-                          <p:cTn id="26" fill="hold">
+                          <p:cTn id="22" fill="hold">
                             <p:stCondLst>
-                              <p:cond delay="0"/>
+                              <p:cond delay="2000"/>
                             </p:stCondLst>
                             <p:childTnLst>
                               <p:par>
-                                <p:cTn id="27" presetID="2" presetClass="entr" presetSubtype="4" fill="hold" nodeType="clickEffect">
+                                <p:cTn id="23" presetID="2" presetClass="entr" presetSubtype="4" fill="hold" nodeType="afterEffect">
                                   <p:stCondLst>
                                     <p:cond delay="0"/>
                                   </p:stCondLst>
                                   <p:childTnLst>
                                     <p:set>
                                       <p:cBhvr>
-                                        <p:cTn id="28" dur="1" fill="hold">
+                                        <p:cTn id="24" dur="1" fill="hold">
                                           <p:stCondLst>
                                             <p:cond delay="0"/>
                                           </p:stCondLst>
@@ -9466,7 +9421,7 @@
                                     </p:set>
                                     <p:anim calcmode="lin" valueType="num">
                                       <p:cBhvr additive="base">
-                                        <p:cTn id="29" dur="500" fill="hold"/>
+                                        <p:cTn id="25" dur="500" fill="hold"/>
                                         <p:tgtEl>
                                           <p:spTgt spid="2054"/>
                                         </p:tgtEl>
@@ -9489,7 +9444,7 @@
                                     </p:anim>
                                     <p:anim calcmode="lin" valueType="num">
                                       <p:cBhvr additive="base">
-                                        <p:cTn id="30" dur="500" fill="hold"/>
+                                        <p:cTn id="26" dur="500" fill="hold"/>
                                         <p:tgtEl>
                                           <p:spTgt spid="2054"/>
                                         </p:tgtEl>
@@ -9516,30 +9471,21 @@
                             </p:childTnLst>
                           </p:cTn>
                         </p:par>
-                      </p:childTnLst>
-                    </p:cTn>
-                  </p:par>
-                  <p:par>
-                    <p:cTn id="31" fill="hold">
-                      <p:stCondLst>
-                        <p:cond delay="indefinite"/>
-                      </p:stCondLst>
-                      <p:childTnLst>
                         <p:par>
-                          <p:cTn id="32" fill="hold">
+                          <p:cTn id="27" fill="hold">
                             <p:stCondLst>
-                              <p:cond delay="0"/>
+                              <p:cond delay="2500"/>
                             </p:stCondLst>
                             <p:childTnLst>
                               <p:par>
-                                <p:cTn id="33" presetID="26" presetClass="emph" presetSubtype="0" fill="hold" nodeType="clickEffect">
+                                <p:cTn id="28" presetID="26" presetClass="emph" presetSubtype="0" fill="hold" nodeType="afterEffect">
                                   <p:stCondLst>
                                     <p:cond delay="0"/>
                                   </p:stCondLst>
                                   <p:childTnLst>
                                     <p:animEffect transition="out" filter="fade">
                                       <p:cBhvr>
-                                        <p:cTn id="34" dur="500" tmFilter="0, 0; .2, .5; .8, .5; 1, 0"/>
+                                        <p:cTn id="29" dur="500" tmFilter="0, 0; .2, .5; .8, .5; 1, 0"/>
                                         <p:tgtEl>
                                           <p:spTgt spid="2054"/>
                                         </p:tgtEl>
@@ -9547,7 +9493,7 @@
                                     </p:animEffect>
                                     <p:animScale>
                                       <p:cBhvr>
-                                        <p:cTn id="35" dur="250" autoRev="1" fill="hold"/>
+                                        <p:cTn id="30" dur="250" autoRev="1" fill="hold"/>
                                         <p:tgtEl>
                                           <p:spTgt spid="2054"/>
                                         </p:tgtEl>
@@ -9560,30 +9506,21 @@
                             </p:childTnLst>
                           </p:cTn>
                         </p:par>
-                      </p:childTnLst>
-                    </p:cTn>
-                  </p:par>
-                  <p:par>
-                    <p:cTn id="36" fill="hold">
-                      <p:stCondLst>
-                        <p:cond delay="indefinite"/>
-                      </p:stCondLst>
-                      <p:childTnLst>
                         <p:par>
-                          <p:cTn id="37" fill="hold">
+                          <p:cTn id="31" fill="hold">
                             <p:stCondLst>
-                              <p:cond delay="0"/>
+                              <p:cond delay="3000"/>
                             </p:stCondLst>
                             <p:childTnLst>
                               <p:par>
-                                <p:cTn id="38" presetID="2" presetClass="entr" presetSubtype="4" fill="hold" nodeType="clickEffect">
+                                <p:cTn id="32" presetID="2" presetClass="entr" presetSubtype="4" fill="hold" nodeType="afterEffect">
                                   <p:stCondLst>
                                     <p:cond delay="0"/>
                                   </p:stCondLst>
                                   <p:childTnLst>
                                     <p:set>
                                       <p:cBhvr>
-                                        <p:cTn id="39" dur="1" fill="hold">
+                                        <p:cTn id="33" dur="1" fill="hold">
                                           <p:stCondLst>
                                             <p:cond delay="0"/>
                                           </p:stCondLst>
@@ -9601,7 +9538,7 @@
                                     </p:set>
                                     <p:anim calcmode="lin" valueType="num">
                                       <p:cBhvr additive="base">
-                                        <p:cTn id="40" dur="500" fill="hold"/>
+                                        <p:cTn id="34" dur="500" fill="hold"/>
                                         <p:tgtEl>
                                           <p:spTgt spid="2056"/>
                                         </p:tgtEl>
@@ -9624,7 +9561,7 @@
                                     </p:anim>
                                     <p:anim calcmode="lin" valueType="num">
                                       <p:cBhvr additive="base">
-                                        <p:cTn id="41" dur="500" fill="hold"/>
+                                        <p:cTn id="35" dur="500" fill="hold"/>
                                         <p:tgtEl>
                                           <p:spTgt spid="2056"/>
                                         </p:tgtEl>
@@ -9651,30 +9588,21 @@
                             </p:childTnLst>
                           </p:cTn>
                         </p:par>
-                      </p:childTnLst>
-                    </p:cTn>
-                  </p:par>
-                  <p:par>
-                    <p:cTn id="42" fill="hold">
-                      <p:stCondLst>
-                        <p:cond delay="indefinite"/>
-                      </p:stCondLst>
-                      <p:childTnLst>
                         <p:par>
-                          <p:cTn id="43" fill="hold">
+                          <p:cTn id="36" fill="hold">
                             <p:stCondLst>
-                              <p:cond delay="0"/>
+                              <p:cond delay="3500"/>
                             </p:stCondLst>
                             <p:childTnLst>
                               <p:par>
-                                <p:cTn id="44" presetID="26" presetClass="emph" presetSubtype="0" fill="hold" nodeType="clickEffect">
+                                <p:cTn id="37" presetID="26" presetClass="emph" presetSubtype="0" fill="hold" nodeType="afterEffect">
                                   <p:stCondLst>
                                     <p:cond delay="0"/>
                                   </p:stCondLst>
                                   <p:childTnLst>
                                     <p:animEffect transition="out" filter="fade">
                                       <p:cBhvr>
-                                        <p:cTn id="45" dur="500" tmFilter="0, 0; .2, .5; .8, .5; 1, 0"/>
+                                        <p:cTn id="38" dur="500" tmFilter="0, 0; .2, .5; .8, .5; 1, 0"/>
                                         <p:tgtEl>
                                           <p:spTgt spid="2056"/>
                                         </p:tgtEl>
@@ -9682,7 +9610,7 @@
                                     </p:animEffect>
                                     <p:animScale>
                                       <p:cBhvr>
-                                        <p:cTn id="46" dur="250" autoRev="1" fill="hold"/>
+                                        <p:cTn id="39" dur="250" autoRev="1" fill="hold"/>
                                         <p:tgtEl>
                                           <p:spTgt spid="2056"/>
                                         </p:tgtEl>
@@ -10060,6 +9988,9 @@
                     <p:cTn id="3" fill="hold">
                       <p:stCondLst>
                         <p:cond delay="indefinite"/>
+                        <p:cond evt="onBegin" delay="0">
+                          <p:tn val="2"/>
+                        </p:cond>
                       </p:stCondLst>
                       <p:childTnLst>
                         <p:par>
@@ -10069,7 +10000,7 @@
                             </p:stCondLst>
                             <p:childTnLst>
                               <p:par>
-                                <p:cTn id="5" presetID="2" presetClass="entr" presetSubtype="4" fill="hold" nodeType="clickEffect">
+                                <p:cTn id="5" presetID="2" presetClass="entr" presetSubtype="4" fill="hold" nodeType="afterEffect">
                                   <p:stCondLst>
                                     <p:cond delay="0"/>
                                   </p:stCondLst>
@@ -10144,30 +10075,21 @@
                             </p:childTnLst>
                           </p:cTn>
                         </p:par>
-                      </p:childTnLst>
-                    </p:cTn>
-                  </p:par>
-                  <p:par>
-                    <p:cTn id="9" fill="hold">
-                      <p:stCondLst>
-                        <p:cond delay="indefinite"/>
-                      </p:stCondLst>
-                      <p:childTnLst>
                         <p:par>
-                          <p:cTn id="10" fill="hold">
+                          <p:cTn id="9" fill="hold">
                             <p:stCondLst>
-                              <p:cond delay="0"/>
+                              <p:cond delay="500"/>
                             </p:stCondLst>
                             <p:childTnLst>
                               <p:par>
-                                <p:cTn id="11" presetID="26" presetClass="emph" presetSubtype="0" fill="hold" nodeType="clickEffect">
+                                <p:cTn id="10" presetID="26" presetClass="emph" presetSubtype="0" fill="hold" nodeType="afterEffect">
                                   <p:stCondLst>
                                     <p:cond delay="0"/>
                                   </p:stCondLst>
                                   <p:childTnLst>
                                     <p:animEffect transition="out" filter="fade">
                                       <p:cBhvr>
-                                        <p:cTn id="12" dur="500" tmFilter="0, 0; .2, .5; .8, .5; 1, 0"/>
+                                        <p:cTn id="11" dur="500" tmFilter="0, 0; .2, .5; .8, .5; 1, 0"/>
                                         <p:tgtEl>
                                           <p:spTgt spid="1028"/>
                                         </p:tgtEl>
@@ -10175,7 +10097,7 @@
                                     </p:animEffect>
                                     <p:animScale>
                                       <p:cBhvr>
-                                        <p:cTn id="13" dur="250" autoRev="1" fill="hold"/>
+                                        <p:cTn id="12" dur="250" autoRev="1" fill="hold"/>
                                         <p:tgtEl>
                                           <p:spTgt spid="1028"/>
                                         </p:tgtEl>
@@ -10188,30 +10110,21 @@
                             </p:childTnLst>
                           </p:cTn>
                         </p:par>
-                      </p:childTnLst>
-                    </p:cTn>
-                  </p:par>
-                  <p:par>
-                    <p:cTn id="14" fill="hold">
-                      <p:stCondLst>
-                        <p:cond delay="indefinite"/>
-                      </p:stCondLst>
-                      <p:childTnLst>
                         <p:par>
-                          <p:cTn id="15" fill="hold">
+                          <p:cTn id="13" fill="hold">
                             <p:stCondLst>
-                              <p:cond delay="0"/>
+                              <p:cond delay="1000"/>
                             </p:stCondLst>
                             <p:childTnLst>
                               <p:par>
-                                <p:cTn id="16" presetID="2" presetClass="entr" presetSubtype="4" fill="hold" nodeType="clickEffect">
+                                <p:cTn id="14" presetID="2" presetClass="entr" presetSubtype="4" fill="hold" nodeType="afterEffect">
                                   <p:stCondLst>
                                     <p:cond delay="0"/>
                                   </p:stCondLst>
                                   <p:childTnLst>
                                     <p:set>
                                       <p:cBhvr>
-                                        <p:cTn id="17" dur="1" fill="hold">
+                                        <p:cTn id="15" dur="1" fill="hold">
                                           <p:stCondLst>
                                             <p:cond delay="0"/>
                                           </p:stCondLst>
@@ -10229,7 +10142,7 @@
                                     </p:set>
                                     <p:anim calcmode="lin" valueType="num">
                                       <p:cBhvr additive="base">
-                                        <p:cTn id="18" dur="500" fill="hold"/>
+                                        <p:cTn id="16" dur="500" fill="hold"/>
                                         <p:tgtEl>
                                           <p:spTgt spid="1030"/>
                                         </p:tgtEl>
@@ -10252,7 +10165,7 @@
                                     </p:anim>
                                     <p:anim calcmode="lin" valueType="num">
                                       <p:cBhvr additive="base">
-                                        <p:cTn id="19" dur="500" fill="hold"/>
+                                        <p:cTn id="17" dur="500" fill="hold"/>
                                         <p:tgtEl>
                                           <p:spTgt spid="1030"/>
                                         </p:tgtEl>
@@ -10279,30 +10192,21 @@
                             </p:childTnLst>
                           </p:cTn>
                         </p:par>
-                      </p:childTnLst>
-                    </p:cTn>
-                  </p:par>
-                  <p:par>
-                    <p:cTn id="20" fill="hold">
-                      <p:stCondLst>
-                        <p:cond delay="indefinite"/>
-                      </p:stCondLst>
-                      <p:childTnLst>
                         <p:par>
-                          <p:cTn id="21" fill="hold">
+                          <p:cTn id="18" fill="hold">
                             <p:stCondLst>
-                              <p:cond delay="0"/>
+                              <p:cond delay="1500"/>
                             </p:stCondLst>
                             <p:childTnLst>
                               <p:par>
-                                <p:cTn id="22" presetID="26" presetClass="emph" presetSubtype="0" fill="hold" nodeType="clickEffect">
+                                <p:cTn id="19" presetID="26" presetClass="emph" presetSubtype="0" fill="hold" nodeType="afterEffect">
                                   <p:stCondLst>
                                     <p:cond delay="0"/>
                                   </p:stCondLst>
                                   <p:childTnLst>
                                     <p:animEffect transition="out" filter="fade">
                                       <p:cBhvr>
-                                        <p:cTn id="23" dur="500" tmFilter="0, 0; .2, .5; .8, .5; 1, 0"/>
+                                        <p:cTn id="20" dur="500" tmFilter="0, 0; .2, .5; .8, .5; 1, 0"/>
                                         <p:tgtEl>
                                           <p:spTgt spid="1030"/>
                                         </p:tgtEl>
@@ -10310,7 +10214,7 @@
                                     </p:animEffect>
                                     <p:animScale>
                                       <p:cBhvr>
-                                        <p:cTn id="24" dur="250" autoRev="1" fill="hold"/>
+                                        <p:cTn id="21" dur="250" autoRev="1" fill="hold"/>
                                         <p:tgtEl>
                                           <p:spTgt spid="1030"/>
                                         </p:tgtEl>
@@ -10323,30 +10227,21 @@
                             </p:childTnLst>
                           </p:cTn>
                         </p:par>
-                      </p:childTnLst>
-                    </p:cTn>
-                  </p:par>
-                  <p:par>
-                    <p:cTn id="25" fill="hold">
-                      <p:stCondLst>
-                        <p:cond delay="indefinite"/>
-                      </p:stCondLst>
-                      <p:childTnLst>
                         <p:par>
-                          <p:cTn id="26" fill="hold">
+                          <p:cTn id="22" fill="hold">
                             <p:stCondLst>
-                              <p:cond delay="0"/>
+                              <p:cond delay="2000"/>
                             </p:stCondLst>
                             <p:childTnLst>
                               <p:par>
-                                <p:cTn id="27" presetID="2" presetClass="entr" presetSubtype="4" fill="hold" nodeType="clickEffect">
+                                <p:cTn id="23" presetID="2" presetClass="entr" presetSubtype="4" fill="hold" nodeType="afterEffect">
                                   <p:stCondLst>
                                     <p:cond delay="0"/>
                                   </p:stCondLst>
                                   <p:childTnLst>
                                     <p:set>
                                       <p:cBhvr>
-                                        <p:cTn id="28" dur="1" fill="hold">
+                                        <p:cTn id="24" dur="1" fill="hold">
                                           <p:stCondLst>
                                             <p:cond delay="0"/>
                                           </p:stCondLst>
@@ -10364,7 +10259,7 @@
                                     </p:set>
                                     <p:anim calcmode="lin" valueType="num">
                                       <p:cBhvr additive="base">
-                                        <p:cTn id="29" dur="500" fill="hold"/>
+                                        <p:cTn id="25" dur="500" fill="hold"/>
                                         <p:tgtEl>
                                           <p:spTgt spid="1026"/>
                                         </p:tgtEl>
@@ -10387,7 +10282,7 @@
                                     </p:anim>
                                     <p:anim calcmode="lin" valueType="num">
                                       <p:cBhvr additive="base">
-                                        <p:cTn id="30" dur="500" fill="hold"/>
+                                        <p:cTn id="26" dur="500" fill="hold"/>
                                         <p:tgtEl>
                                           <p:spTgt spid="1026"/>
                                         </p:tgtEl>
@@ -10414,30 +10309,21 @@
                             </p:childTnLst>
                           </p:cTn>
                         </p:par>
-                      </p:childTnLst>
-                    </p:cTn>
-                  </p:par>
-                  <p:par>
-                    <p:cTn id="31" fill="hold">
-                      <p:stCondLst>
-                        <p:cond delay="indefinite"/>
-                      </p:stCondLst>
-                      <p:childTnLst>
                         <p:par>
-                          <p:cTn id="32" fill="hold">
+                          <p:cTn id="27" fill="hold">
                             <p:stCondLst>
-                              <p:cond delay="0"/>
+                              <p:cond delay="2500"/>
                             </p:stCondLst>
                             <p:childTnLst>
                               <p:par>
-                                <p:cTn id="33" presetID="26" presetClass="emph" presetSubtype="0" fill="hold" nodeType="clickEffect">
+                                <p:cTn id="28" presetID="26" presetClass="emph" presetSubtype="0" fill="hold" nodeType="afterEffect">
                                   <p:stCondLst>
                                     <p:cond delay="0"/>
                                   </p:stCondLst>
                                   <p:childTnLst>
                                     <p:animEffect transition="out" filter="fade">
                                       <p:cBhvr>
-                                        <p:cTn id="34" dur="500" tmFilter="0, 0; .2, .5; .8, .5; 1, 0"/>
+                                        <p:cTn id="29" dur="500" tmFilter="0, 0; .2, .5; .8, .5; 1, 0"/>
                                         <p:tgtEl>
                                           <p:spTgt spid="1026"/>
                                         </p:tgtEl>
@@ -10445,7 +10331,7 @@
                                     </p:animEffect>
                                     <p:animScale>
                                       <p:cBhvr>
-                                        <p:cTn id="35" dur="250" autoRev="1" fill="hold"/>
+                                        <p:cTn id="30" dur="250" autoRev="1" fill="hold"/>
                                         <p:tgtEl>
                                           <p:spTgt spid="1026"/>
                                         </p:tgtEl>
@@ -10458,30 +10344,21 @@
                             </p:childTnLst>
                           </p:cTn>
                         </p:par>
-                      </p:childTnLst>
-                    </p:cTn>
-                  </p:par>
-                  <p:par>
-                    <p:cTn id="36" fill="hold">
-                      <p:stCondLst>
-                        <p:cond delay="indefinite"/>
-                      </p:stCondLst>
-                      <p:childTnLst>
                         <p:par>
-                          <p:cTn id="37" fill="hold">
+                          <p:cTn id="31" fill="hold">
                             <p:stCondLst>
-                              <p:cond delay="0"/>
+                              <p:cond delay="3000"/>
                             </p:stCondLst>
                             <p:childTnLst>
                               <p:par>
-                                <p:cTn id="38" presetID="2" presetClass="entr" presetSubtype="4" fill="hold" nodeType="clickEffect">
+                                <p:cTn id="32" presetID="2" presetClass="entr" presetSubtype="4" fill="hold" nodeType="afterEffect">
                                   <p:stCondLst>
                                     <p:cond delay="0"/>
                                   </p:stCondLst>
                                   <p:childTnLst>
                                     <p:set>
                                       <p:cBhvr>
-                                        <p:cTn id="39" dur="1" fill="hold">
+                                        <p:cTn id="33" dur="1" fill="hold">
                                           <p:stCondLst>
                                             <p:cond delay="0"/>
                                           </p:stCondLst>
@@ -10499,7 +10376,7 @@
                                     </p:set>
                                     <p:anim calcmode="lin" valueType="num">
                                       <p:cBhvr additive="base">
-                                        <p:cTn id="40" dur="500" fill="hold"/>
+                                        <p:cTn id="34" dur="500" fill="hold"/>
                                         <p:tgtEl>
                                           <p:spTgt spid="1032"/>
                                         </p:tgtEl>
@@ -10522,7 +10399,7 @@
                                     </p:anim>
                                     <p:anim calcmode="lin" valueType="num">
                                       <p:cBhvr additive="base">
-                                        <p:cTn id="41" dur="500" fill="hold"/>
+                                        <p:cTn id="35" dur="500" fill="hold"/>
                                         <p:tgtEl>
                                           <p:spTgt spid="1032"/>
                                         </p:tgtEl>
@@ -10549,30 +10426,21 @@
                             </p:childTnLst>
                           </p:cTn>
                         </p:par>
-                      </p:childTnLst>
-                    </p:cTn>
-                  </p:par>
-                  <p:par>
-                    <p:cTn id="42" fill="hold">
-                      <p:stCondLst>
-                        <p:cond delay="indefinite"/>
-                      </p:stCondLst>
-                      <p:childTnLst>
                         <p:par>
-                          <p:cTn id="43" fill="hold">
+                          <p:cTn id="36" fill="hold">
                             <p:stCondLst>
-                              <p:cond delay="0"/>
+                              <p:cond delay="3500"/>
                             </p:stCondLst>
                             <p:childTnLst>
                               <p:par>
-                                <p:cTn id="44" presetID="26" presetClass="emph" presetSubtype="0" fill="hold" nodeType="clickEffect">
+                                <p:cTn id="37" presetID="26" presetClass="emph" presetSubtype="0" fill="hold" nodeType="afterEffect">
                                   <p:stCondLst>
                                     <p:cond delay="0"/>
                                   </p:stCondLst>
                                   <p:childTnLst>
                                     <p:animEffect transition="out" filter="fade">
                                       <p:cBhvr>
-                                        <p:cTn id="45" dur="500" tmFilter="0, 0; .2, .5; .8, .5; 1, 0"/>
+                                        <p:cTn id="38" dur="500" tmFilter="0, 0; .2, .5; .8, .5; 1, 0"/>
                                         <p:tgtEl>
                                           <p:spTgt spid="1032"/>
                                         </p:tgtEl>
@@ -10580,7 +10448,7 @@
                                     </p:animEffect>
                                     <p:animScale>
                                       <p:cBhvr>
-                                        <p:cTn id="46" dur="250" autoRev="1" fill="hold"/>
+                                        <p:cTn id="39" dur="250" autoRev="1" fill="hold"/>
                                         <p:tgtEl>
                                           <p:spTgt spid="1032"/>
                                         </p:tgtEl>
@@ -10855,6 +10723,9 @@
                     <p:cTn id="3" fill="hold">
                       <p:stCondLst>
                         <p:cond delay="indefinite"/>
+                        <p:cond evt="onBegin" delay="0">
+                          <p:tn val="2"/>
+                        </p:cond>
                       </p:stCondLst>
                       <p:childTnLst>
                         <p:par>
@@ -10864,7 +10735,7 @@
                             </p:stCondLst>
                             <p:childTnLst>
                               <p:par>
-                                <p:cTn id="5" presetID="2" presetClass="entr" presetSubtype="4" fill="hold" nodeType="clickEffect">
+                                <p:cTn id="5" presetID="2" presetClass="entr" presetSubtype="4" fill="hold" nodeType="afterEffect">
                                   <p:stCondLst>
                                     <p:cond delay="0"/>
                                   </p:stCondLst>
@@ -10939,30 +10810,21 @@
                             </p:childTnLst>
                           </p:cTn>
                         </p:par>
-                      </p:childTnLst>
-                    </p:cTn>
-                  </p:par>
-                  <p:par>
-                    <p:cTn id="9" fill="hold">
-                      <p:stCondLst>
-                        <p:cond delay="indefinite"/>
-                      </p:stCondLst>
-                      <p:childTnLst>
                         <p:par>
-                          <p:cTn id="10" fill="hold">
+                          <p:cTn id="9" fill="hold">
                             <p:stCondLst>
-                              <p:cond delay="0"/>
+                              <p:cond delay="500"/>
                             </p:stCondLst>
                             <p:childTnLst>
                               <p:par>
-                                <p:cTn id="11" presetID="26" presetClass="emph" presetSubtype="0" fill="hold" nodeType="clickEffect">
+                                <p:cTn id="10" presetID="26" presetClass="emph" presetSubtype="0" fill="hold" nodeType="afterEffect">
                                   <p:stCondLst>
                                     <p:cond delay="0"/>
                                   </p:stCondLst>
                                   <p:childTnLst>
                                     <p:animEffect transition="out" filter="fade">
                                       <p:cBhvr>
-                                        <p:cTn id="12" dur="500" tmFilter="0, 0; .2, .5; .8, .5; 1, 0"/>
+                                        <p:cTn id="11" dur="500" tmFilter="0, 0; .2, .5; .8, .5; 1, 0"/>
                                         <p:tgtEl>
                                           <p:spTgt spid="4"/>
                                         </p:tgtEl>
@@ -10970,7 +10832,7 @@
                                     </p:animEffect>
                                     <p:animScale>
                                       <p:cBhvr>
-                                        <p:cTn id="13" dur="250" autoRev="1" fill="hold"/>
+                                        <p:cTn id="12" dur="250" autoRev="1" fill="hold"/>
                                         <p:tgtEl>
                                           <p:spTgt spid="4"/>
                                         </p:tgtEl>
@@ -11695,6 +11557,9 @@
                     <p:cTn id="3" fill="hold">
                       <p:stCondLst>
                         <p:cond delay="indefinite"/>
+                        <p:cond evt="onBegin" delay="0">
+                          <p:tn val="2"/>
+                        </p:cond>
                       </p:stCondLst>
                       <p:childTnLst>
                         <p:par>
@@ -11704,7 +11569,7 @@
                             </p:stCondLst>
                             <p:childTnLst>
                               <p:par>
-                                <p:cTn id="5" presetID="2" presetClass="entr" presetSubtype="4" fill="hold" nodeType="clickEffect">
+                                <p:cTn id="5" presetID="2" presetClass="entr" presetSubtype="4" fill="hold" nodeType="afterEffect">
                                   <p:stCondLst>
                                     <p:cond delay="0"/>
                                   </p:stCondLst>
@@ -11779,30 +11644,21 @@
                             </p:childTnLst>
                           </p:cTn>
                         </p:par>
-                      </p:childTnLst>
-                    </p:cTn>
-                  </p:par>
-                  <p:par>
-                    <p:cTn id="9" fill="hold">
-                      <p:stCondLst>
-                        <p:cond delay="indefinite"/>
-                      </p:stCondLst>
-                      <p:childTnLst>
                         <p:par>
-                          <p:cTn id="10" fill="hold">
+                          <p:cTn id="9" fill="hold">
                             <p:stCondLst>
-                              <p:cond delay="0"/>
+                              <p:cond delay="500"/>
                             </p:stCondLst>
                             <p:childTnLst>
                               <p:par>
-                                <p:cTn id="11" presetID="26" presetClass="emph" presetSubtype="0" fill="hold" nodeType="clickEffect">
+                                <p:cTn id="10" presetID="26" presetClass="emph" presetSubtype="0" fill="hold" nodeType="afterEffect">
                                   <p:stCondLst>
                                     <p:cond delay="0"/>
                                   </p:stCondLst>
                                   <p:childTnLst>
                                     <p:animEffect transition="out" filter="fade">
                                       <p:cBhvr>
-                                        <p:cTn id="12" dur="500" tmFilter="0, 0; .2, .5; .8, .5; 1, 0"/>
+                                        <p:cTn id="11" dur="500" tmFilter="0, 0; .2, .5; .8, .5; 1, 0"/>
                                         <p:tgtEl>
                                           <p:spTgt spid="4098"/>
                                         </p:tgtEl>
@@ -11810,7 +11666,7 @@
                                     </p:animEffect>
                                     <p:animScale>
                                       <p:cBhvr>
-                                        <p:cTn id="13" dur="250" autoRev="1" fill="hold"/>
+                                        <p:cTn id="12" dur="250" autoRev="1" fill="hold"/>
                                         <p:tgtEl>
                                           <p:spTgt spid="4098"/>
                                         </p:tgtEl>

--- a/Уеб сайт за дистрибуция на Xiaomi.pptx
+++ b/Уеб сайт за дистрибуция на Xiaomi.pptx
@@ -397,7 +397,7 @@
           <a:p>
             <a:fld id="{A3037DE2-5C1C-400F-B4C8-7986441C88A8}" type="datetimeFigureOut">
               <a:rPr lang="bg-BG" smtClean="0"/>
-              <a:t>20.6.2023 г.</a:t>
+              <a:t>21.6.2023 г.</a:t>
             </a:fld>
             <a:endParaRPr lang="bg-BG"/>
           </a:p>
@@ -460,13 +460,13 @@
   <p:clrMapOvr>
     <a:masterClrMapping/>
   </p:clrMapOvr>
-  <mc:AlternateContent xmlns:mc="http://schemas.openxmlformats.org/markup-compatibility/2006">
-    <mc:Choice xmlns:p15="http://schemas.microsoft.com/office/powerpoint/2012/main" Requires="p15">
+  <mc:AlternateContent xmlns:mc="http://schemas.openxmlformats.org/markup-compatibility/2006" xmlns:p15="http://schemas.microsoft.com/office/powerpoint/2012/main">
+    <mc:Choice Requires="p15">
       <p:transition spd="med">
         <p15:prstTrans prst="curtains"/>
       </p:transition>
     </mc:Choice>
-    <mc:Fallback>
+    <mc:Fallback xmlns="">
       <p:transition spd="med">
         <p:fade/>
       </p:transition>
@@ -823,7 +823,7 @@
           <a:p>
             <a:fld id="{A3037DE2-5C1C-400F-B4C8-7986441C88A8}" type="datetimeFigureOut">
               <a:rPr lang="bg-BG" smtClean="0"/>
-              <a:t>20.6.2023 г.</a:t>
+              <a:t>21.6.2023 г.</a:t>
             </a:fld>
             <a:endParaRPr lang="bg-BG"/>
           </a:p>
@@ -886,13 +886,13 @@
   <p:clrMapOvr>
     <a:masterClrMapping/>
   </p:clrMapOvr>
-  <mc:AlternateContent xmlns:mc="http://schemas.openxmlformats.org/markup-compatibility/2006">
-    <mc:Choice xmlns:p15="http://schemas.microsoft.com/office/powerpoint/2012/main" Requires="p15">
+  <mc:AlternateContent xmlns:mc="http://schemas.openxmlformats.org/markup-compatibility/2006" xmlns:p15="http://schemas.microsoft.com/office/powerpoint/2012/main">
+    <mc:Choice Requires="p15">
       <p:transition spd="med">
         <p15:prstTrans prst="curtains"/>
       </p:transition>
     </mc:Choice>
-    <mc:Fallback>
+    <mc:Fallback xmlns="">
       <p:transition spd="med">
         <p:fade/>
       </p:transition>
@@ -1171,7 +1171,7 @@
           <a:p>
             <a:fld id="{A3037DE2-5C1C-400F-B4C8-7986441C88A8}" type="datetimeFigureOut">
               <a:rPr lang="bg-BG" smtClean="0"/>
-              <a:t>20.6.2023 г.</a:t>
+              <a:t>21.6.2023 г.</a:t>
             </a:fld>
             <a:endParaRPr lang="bg-BG"/>
           </a:p>
@@ -1234,13 +1234,13 @@
   <p:clrMapOvr>
     <a:masterClrMapping/>
   </p:clrMapOvr>
-  <mc:AlternateContent xmlns:mc="http://schemas.openxmlformats.org/markup-compatibility/2006">
-    <mc:Choice xmlns:p15="http://schemas.microsoft.com/office/powerpoint/2012/main" Requires="p15">
+  <mc:AlternateContent xmlns:mc="http://schemas.openxmlformats.org/markup-compatibility/2006" xmlns:p15="http://schemas.microsoft.com/office/powerpoint/2012/main">
+    <mc:Choice Requires="p15">
       <p:transition spd="med">
         <p15:prstTrans prst="curtains"/>
       </p:transition>
     </mc:Choice>
-    <mc:Fallback>
+    <mc:Fallback xmlns="">
       <p:transition spd="med">
         <p:fade/>
       </p:transition>
@@ -1588,7 +1588,7 @@
           <a:p>
             <a:fld id="{A3037DE2-5C1C-400F-B4C8-7986441C88A8}" type="datetimeFigureOut">
               <a:rPr lang="bg-BG" smtClean="0"/>
-              <a:t>20.6.2023 г.</a:t>
+              <a:t>21.6.2023 г.</a:t>
             </a:fld>
             <a:endParaRPr lang="bg-BG"/>
           </a:p>
@@ -1883,13 +1883,13 @@
   <p:clrMapOvr>
     <a:masterClrMapping/>
   </p:clrMapOvr>
-  <mc:AlternateContent xmlns:mc="http://schemas.openxmlformats.org/markup-compatibility/2006">
-    <mc:Choice xmlns:p15="http://schemas.microsoft.com/office/powerpoint/2012/main" Requires="p15">
+  <mc:AlternateContent xmlns:mc="http://schemas.openxmlformats.org/markup-compatibility/2006" xmlns:p15="http://schemas.microsoft.com/office/powerpoint/2012/main">
+    <mc:Choice Requires="p15">
       <p:transition spd="med">
         <p15:prstTrans prst="curtains"/>
       </p:transition>
     </mc:Choice>
-    <mc:Fallback>
+    <mc:Fallback xmlns="">
       <p:transition spd="med">
         <p:fade/>
       </p:transition>
@@ -2168,7 +2168,7 @@
           <a:p>
             <a:fld id="{A3037DE2-5C1C-400F-B4C8-7986441C88A8}" type="datetimeFigureOut">
               <a:rPr lang="bg-BG" smtClean="0"/>
-              <a:t>20.6.2023 г.</a:t>
+              <a:t>21.6.2023 г.</a:t>
             </a:fld>
             <a:endParaRPr lang="bg-BG"/>
           </a:p>
@@ -2231,13 +2231,13 @@
   <p:clrMapOvr>
     <a:masterClrMapping/>
   </p:clrMapOvr>
-  <mc:AlternateContent xmlns:mc="http://schemas.openxmlformats.org/markup-compatibility/2006">
-    <mc:Choice xmlns:p15="http://schemas.microsoft.com/office/powerpoint/2012/main" Requires="p15">
+  <mc:AlternateContent xmlns:mc="http://schemas.openxmlformats.org/markup-compatibility/2006" xmlns:p15="http://schemas.microsoft.com/office/powerpoint/2012/main">
+    <mc:Choice Requires="p15">
       <p:transition spd="med">
         <p15:prstTrans prst="curtains"/>
       </p:transition>
     </mc:Choice>
-    <mc:Fallback>
+    <mc:Fallback xmlns="">
       <p:transition spd="med">
         <p:fade/>
       </p:transition>
@@ -2861,7 +2861,7 @@
           <a:p>
             <a:fld id="{A3037DE2-5C1C-400F-B4C8-7986441C88A8}" type="datetimeFigureOut">
               <a:rPr lang="bg-BG" smtClean="0"/>
-              <a:t>20.6.2023 г.</a:t>
+              <a:t>21.6.2023 г.</a:t>
             </a:fld>
             <a:endParaRPr lang="bg-BG"/>
           </a:p>
@@ -2919,13 +2919,13 @@
   <p:clrMapOvr>
     <a:masterClrMapping/>
   </p:clrMapOvr>
-  <mc:AlternateContent xmlns:mc="http://schemas.openxmlformats.org/markup-compatibility/2006">
-    <mc:Choice xmlns:p15="http://schemas.microsoft.com/office/powerpoint/2012/main" Requires="p15">
+  <mc:AlternateContent xmlns:mc="http://schemas.openxmlformats.org/markup-compatibility/2006" xmlns:p15="http://schemas.microsoft.com/office/powerpoint/2012/main">
+    <mc:Choice Requires="p15">
       <p:transition spd="med">
         <p15:prstTrans prst="curtains"/>
       </p:transition>
     </mc:Choice>
-    <mc:Fallback>
+    <mc:Fallback xmlns="">
       <p:transition spd="med">
         <p:fade/>
       </p:transition>
@@ -3786,7 +3786,7 @@
           <a:p>
             <a:fld id="{A3037DE2-5C1C-400F-B4C8-7986441C88A8}" type="datetimeFigureOut">
               <a:rPr lang="bg-BG" smtClean="0"/>
-              <a:t>20.6.2023 г.</a:t>
+              <a:t>21.6.2023 г.</a:t>
             </a:fld>
             <a:endParaRPr lang="bg-BG"/>
           </a:p>
@@ -3844,13 +3844,13 @@
   <p:clrMapOvr>
     <a:masterClrMapping/>
   </p:clrMapOvr>
-  <mc:AlternateContent xmlns:mc="http://schemas.openxmlformats.org/markup-compatibility/2006">
-    <mc:Choice xmlns:p15="http://schemas.microsoft.com/office/powerpoint/2012/main" Requires="p15">
+  <mc:AlternateContent xmlns:mc="http://schemas.openxmlformats.org/markup-compatibility/2006" xmlns:p15="http://schemas.microsoft.com/office/powerpoint/2012/main">
+    <mc:Choice Requires="p15">
       <p:transition spd="med">
         <p15:prstTrans prst="curtains"/>
       </p:transition>
     </mc:Choice>
-    <mc:Fallback>
+    <mc:Fallback xmlns="">
       <p:transition spd="med">
         <p:fade/>
       </p:transition>
@@ -4111,7 +4111,7 @@
           <a:p>
             <a:fld id="{A3037DE2-5C1C-400F-B4C8-7986441C88A8}" type="datetimeFigureOut">
               <a:rPr lang="bg-BG" smtClean="0"/>
-              <a:t>20.6.2023 г.</a:t>
+              <a:t>21.6.2023 г.</a:t>
             </a:fld>
             <a:endParaRPr lang="bg-BG"/>
           </a:p>
@@ -4169,13 +4169,13 @@
   <p:clrMapOvr>
     <a:masterClrMapping/>
   </p:clrMapOvr>
-  <mc:AlternateContent xmlns:mc="http://schemas.openxmlformats.org/markup-compatibility/2006">
-    <mc:Choice xmlns:p15="http://schemas.microsoft.com/office/powerpoint/2012/main" Requires="p15">
+  <mc:AlternateContent xmlns:mc="http://schemas.openxmlformats.org/markup-compatibility/2006" xmlns:p15="http://schemas.microsoft.com/office/powerpoint/2012/main">
+    <mc:Choice Requires="p15">
       <p:transition spd="med">
         <p15:prstTrans prst="curtains"/>
       </p:transition>
     </mc:Choice>
-    <mc:Fallback>
+    <mc:Fallback xmlns="">
       <p:transition spd="med">
         <p:fade/>
       </p:transition>
@@ -4387,7 +4387,7 @@
           <a:p>
             <a:fld id="{A3037DE2-5C1C-400F-B4C8-7986441C88A8}" type="datetimeFigureOut">
               <a:rPr lang="bg-BG" smtClean="0"/>
-              <a:t>20.6.2023 г.</a:t>
+              <a:t>21.6.2023 г.</a:t>
             </a:fld>
             <a:endParaRPr lang="bg-BG"/>
           </a:p>
@@ -4459,13 +4459,13 @@
   <p:clrMapOvr>
     <a:masterClrMapping/>
   </p:clrMapOvr>
-  <mc:AlternateContent xmlns:mc="http://schemas.openxmlformats.org/markup-compatibility/2006">
-    <mc:Choice xmlns:p15="http://schemas.microsoft.com/office/powerpoint/2012/main" Requires="p15">
+  <mc:AlternateContent xmlns:mc="http://schemas.openxmlformats.org/markup-compatibility/2006" xmlns:p15="http://schemas.microsoft.com/office/powerpoint/2012/main">
+    <mc:Choice Requires="p15">
       <p:transition spd="med">
         <p15:prstTrans prst="curtains"/>
       </p:transition>
     </mc:Choice>
-    <mc:Fallback>
+    <mc:Fallback xmlns="">
       <p:transition spd="med">
         <p:fade/>
       </p:transition>
@@ -4722,7 +4722,7 @@
           <a:p>
             <a:fld id="{A3037DE2-5C1C-400F-B4C8-7986441C88A8}" type="datetimeFigureOut">
               <a:rPr lang="bg-BG" smtClean="0"/>
-              <a:t>20.6.2023 г.</a:t>
+              <a:t>21.6.2023 г.</a:t>
             </a:fld>
             <a:endParaRPr lang="bg-BG"/>
           </a:p>
@@ -4780,13 +4780,13 @@
   <p:clrMapOvr>
     <a:masterClrMapping/>
   </p:clrMapOvr>
-  <mc:AlternateContent xmlns:mc="http://schemas.openxmlformats.org/markup-compatibility/2006">
-    <mc:Choice xmlns:p15="http://schemas.microsoft.com/office/powerpoint/2012/main" Requires="p15">
+  <mc:AlternateContent xmlns:mc="http://schemas.openxmlformats.org/markup-compatibility/2006" xmlns:p15="http://schemas.microsoft.com/office/powerpoint/2012/main">
+    <mc:Choice Requires="p15">
       <p:transition spd="med">
         <p15:prstTrans prst="curtains"/>
       </p:transition>
     </mc:Choice>
-    <mc:Fallback>
+    <mc:Fallback xmlns="">
       <p:transition spd="med">
         <p:fade/>
       </p:transition>
@@ -5123,7 +5123,7 @@
           <a:p>
             <a:fld id="{A3037DE2-5C1C-400F-B4C8-7986441C88A8}" type="datetimeFigureOut">
               <a:rPr lang="bg-BG" smtClean="0"/>
-              <a:t>20.6.2023 г.</a:t>
+              <a:t>21.6.2023 г.</a:t>
             </a:fld>
             <a:endParaRPr lang="bg-BG"/>
           </a:p>
@@ -5186,13 +5186,13 @@
   <p:clrMapOvr>
     <a:masterClrMapping/>
   </p:clrMapOvr>
-  <mc:AlternateContent xmlns:mc="http://schemas.openxmlformats.org/markup-compatibility/2006">
-    <mc:Choice xmlns:p15="http://schemas.microsoft.com/office/powerpoint/2012/main" Requires="p15">
+  <mc:AlternateContent xmlns:mc="http://schemas.openxmlformats.org/markup-compatibility/2006" xmlns:p15="http://schemas.microsoft.com/office/powerpoint/2012/main">
+    <mc:Choice Requires="p15">
       <p:transition spd="med">
         <p15:prstTrans prst="curtains"/>
       </p:transition>
     </mc:Choice>
-    <mc:Fallback>
+    <mc:Fallback xmlns="">
       <p:transition spd="med">
         <p:fade/>
       </p:transition>
@@ -5511,7 +5511,7 @@
           <a:p>
             <a:fld id="{A3037DE2-5C1C-400F-B4C8-7986441C88A8}" type="datetimeFigureOut">
               <a:rPr lang="bg-BG" smtClean="0"/>
-              <a:t>20.6.2023 г.</a:t>
+              <a:t>21.6.2023 г.</a:t>
             </a:fld>
             <a:endParaRPr lang="bg-BG"/>
           </a:p>
@@ -5569,13 +5569,13 @@
   <p:clrMapOvr>
     <a:masterClrMapping/>
   </p:clrMapOvr>
-  <mc:AlternateContent xmlns:mc="http://schemas.openxmlformats.org/markup-compatibility/2006">
-    <mc:Choice xmlns:p15="http://schemas.microsoft.com/office/powerpoint/2012/main" Requires="p15">
+  <mc:AlternateContent xmlns:mc="http://schemas.openxmlformats.org/markup-compatibility/2006" xmlns:p15="http://schemas.microsoft.com/office/powerpoint/2012/main">
+    <mc:Choice Requires="p15">
       <p:transition spd="med">
         <p15:prstTrans prst="curtains"/>
       </p:transition>
     </mc:Choice>
-    <mc:Fallback>
+    <mc:Fallback xmlns="">
       <p:transition spd="med">
         <p:fade/>
       </p:transition>
@@ -6029,7 +6029,7 @@
           <a:p>
             <a:fld id="{A3037DE2-5C1C-400F-B4C8-7986441C88A8}" type="datetimeFigureOut">
               <a:rPr lang="bg-BG" smtClean="0"/>
-              <a:t>20.6.2023 г.</a:t>
+              <a:t>21.6.2023 г.</a:t>
             </a:fld>
             <a:endParaRPr lang="bg-BG"/>
           </a:p>
@@ -6087,13 +6087,13 @@
   <p:clrMapOvr>
     <a:masterClrMapping/>
   </p:clrMapOvr>
-  <mc:AlternateContent xmlns:mc="http://schemas.openxmlformats.org/markup-compatibility/2006">
-    <mc:Choice xmlns:p15="http://schemas.microsoft.com/office/powerpoint/2012/main" Requires="p15">
+  <mc:AlternateContent xmlns:mc="http://schemas.openxmlformats.org/markup-compatibility/2006" xmlns:p15="http://schemas.microsoft.com/office/powerpoint/2012/main">
+    <mc:Choice Requires="p15">
       <p:transition spd="med">
         <p15:prstTrans prst="curtains"/>
       </p:transition>
     </mc:Choice>
-    <mc:Fallback>
+    <mc:Fallback xmlns="">
       <p:transition spd="med">
         <p:fade/>
       </p:transition>
@@ -6298,7 +6298,7 @@
           <a:p>
             <a:fld id="{A3037DE2-5C1C-400F-B4C8-7986441C88A8}" type="datetimeFigureOut">
               <a:rPr lang="bg-BG" smtClean="0"/>
-              <a:t>20.6.2023 г.</a:t>
+              <a:t>21.6.2023 г.</a:t>
             </a:fld>
             <a:endParaRPr lang="bg-BG"/>
           </a:p>
@@ -6356,13 +6356,13 @@
   <p:clrMapOvr>
     <a:masterClrMapping/>
   </p:clrMapOvr>
-  <mc:AlternateContent xmlns:mc="http://schemas.openxmlformats.org/markup-compatibility/2006">
-    <mc:Choice xmlns:p15="http://schemas.microsoft.com/office/powerpoint/2012/main" Requires="p15">
+  <mc:AlternateContent xmlns:mc="http://schemas.openxmlformats.org/markup-compatibility/2006" xmlns:p15="http://schemas.microsoft.com/office/powerpoint/2012/main">
+    <mc:Choice Requires="p15">
       <p:transition spd="med">
         <p15:prstTrans prst="curtains"/>
       </p:transition>
     </mc:Choice>
-    <mc:Fallback>
+    <mc:Fallback xmlns="">
       <p:transition spd="med">
         <p:fade/>
       </p:transition>
@@ -6473,7 +6473,7 @@
           <a:p>
             <a:fld id="{A3037DE2-5C1C-400F-B4C8-7986441C88A8}" type="datetimeFigureOut">
               <a:rPr lang="bg-BG" smtClean="0"/>
-              <a:t>20.6.2023 г.</a:t>
+              <a:t>21.6.2023 г.</a:t>
             </a:fld>
             <a:endParaRPr lang="bg-BG"/>
           </a:p>
@@ -6531,13 +6531,13 @@
   <p:clrMapOvr>
     <a:masterClrMapping/>
   </p:clrMapOvr>
-  <mc:AlternateContent xmlns:mc="http://schemas.openxmlformats.org/markup-compatibility/2006">
-    <mc:Choice xmlns:p15="http://schemas.microsoft.com/office/powerpoint/2012/main" Requires="p15">
+  <mc:AlternateContent xmlns:mc="http://schemas.openxmlformats.org/markup-compatibility/2006" xmlns:p15="http://schemas.microsoft.com/office/powerpoint/2012/main">
+    <mc:Choice Requires="p15">
       <p:transition spd="med">
         <p15:prstTrans prst="curtains"/>
       </p:transition>
     </mc:Choice>
-    <mc:Fallback>
+    <mc:Fallback xmlns="">
       <p:transition spd="med">
         <p:fade/>
       </p:transition>
@@ -6875,7 +6875,7 @@
           <a:p>
             <a:fld id="{A3037DE2-5C1C-400F-B4C8-7986441C88A8}" type="datetimeFigureOut">
               <a:rPr lang="bg-BG" smtClean="0"/>
-              <a:t>20.6.2023 г.</a:t>
+              <a:t>21.6.2023 г.</a:t>
             </a:fld>
             <a:endParaRPr lang="bg-BG"/>
           </a:p>
@@ -6933,13 +6933,13 @@
   <p:clrMapOvr>
     <a:masterClrMapping/>
   </p:clrMapOvr>
-  <mc:AlternateContent xmlns:mc="http://schemas.openxmlformats.org/markup-compatibility/2006">
-    <mc:Choice xmlns:p15="http://schemas.microsoft.com/office/powerpoint/2012/main" Requires="p15">
+  <mc:AlternateContent xmlns:mc="http://schemas.openxmlformats.org/markup-compatibility/2006" xmlns:p15="http://schemas.microsoft.com/office/powerpoint/2012/main">
+    <mc:Choice Requires="p15">
       <p:transition spd="med">
         <p15:prstTrans prst="curtains"/>
       </p:transition>
     </mc:Choice>
-    <mc:Fallback>
+    <mc:Fallback xmlns="">
       <p:transition spd="med">
         <p:fade/>
       </p:transition>
@@ -7296,7 +7296,7 @@
           <a:p>
             <a:fld id="{A3037DE2-5C1C-400F-B4C8-7986441C88A8}" type="datetimeFigureOut">
               <a:rPr lang="bg-BG" smtClean="0"/>
-              <a:t>20.6.2023 г.</a:t>
+              <a:t>21.6.2023 г.</a:t>
             </a:fld>
             <a:endParaRPr lang="bg-BG"/>
           </a:p>
@@ -7354,13 +7354,13 @@
   <p:clrMapOvr>
     <a:masterClrMapping/>
   </p:clrMapOvr>
-  <mc:AlternateContent xmlns:mc="http://schemas.openxmlformats.org/markup-compatibility/2006">
-    <mc:Choice xmlns:p15="http://schemas.microsoft.com/office/powerpoint/2012/main" Requires="p15">
+  <mc:AlternateContent xmlns:mc="http://schemas.openxmlformats.org/markup-compatibility/2006" xmlns:p15="http://schemas.microsoft.com/office/powerpoint/2012/main">
+    <mc:Choice Requires="p15">
       <p:transition spd="med">
         <p15:prstTrans prst="curtains"/>
       </p:transition>
     </mc:Choice>
-    <mc:Fallback>
+    <mc:Fallback xmlns="">
       <p:transition spd="med">
         <p:fade/>
       </p:transition>
@@ -7552,7 +7552,7 @@
           <a:p>
             <a:fld id="{A3037DE2-5C1C-400F-B4C8-7986441C88A8}" type="datetimeFigureOut">
               <a:rPr lang="bg-BG" smtClean="0"/>
-              <a:t>20.6.2023 г.</a:t>
+              <a:t>21.6.2023 г.</a:t>
             </a:fld>
             <a:endParaRPr lang="bg-BG"/>
           </a:p>
@@ -7663,13 +7663,13 @@
     <p:sldLayoutId id="2147483748" r:id="rId16"/>
     <p:sldLayoutId id="2147483749" r:id="rId17"/>
   </p:sldLayoutIdLst>
-  <mc:AlternateContent xmlns:mc="http://schemas.openxmlformats.org/markup-compatibility/2006">
-    <mc:Choice xmlns:p15="http://schemas.microsoft.com/office/powerpoint/2012/main" Requires="p15">
+  <mc:AlternateContent xmlns:mc="http://schemas.openxmlformats.org/markup-compatibility/2006" xmlns:p15="http://schemas.microsoft.com/office/powerpoint/2012/main">
+    <mc:Choice Requires="p15">
       <p:transition spd="med">
         <p15:prstTrans prst="curtains"/>
       </p:transition>
     </mc:Choice>
-    <mc:Fallback>
+    <mc:Fallback xmlns="">
       <p:transition spd="med">
         <p:fade/>
       </p:transition>
@@ -8076,13 +8076,13 @@
   <p:clrMapOvr>
     <a:masterClrMapping/>
   </p:clrMapOvr>
-  <mc:AlternateContent xmlns:mc="http://schemas.openxmlformats.org/markup-compatibility/2006">
-    <mc:Choice xmlns:p15="http://schemas.microsoft.com/office/powerpoint/2012/main" Requires="p15">
+  <mc:AlternateContent xmlns:mc="http://schemas.openxmlformats.org/markup-compatibility/2006" xmlns:p15="http://schemas.microsoft.com/office/powerpoint/2012/main">
+    <mc:Choice Requires="p15">
       <p:transition spd="med">
         <p15:prstTrans prst="airplane"/>
       </p:transition>
     </mc:Choice>
-    <mc:Fallback>
+    <mc:Fallback xmlns="">
       <p:transition spd="med">
         <p:fade/>
       </p:transition>
@@ -8256,13 +8256,13 @@
   <p:clrMapOvr>
     <a:masterClrMapping/>
   </p:clrMapOvr>
-  <mc:AlternateContent xmlns:mc="http://schemas.openxmlformats.org/markup-compatibility/2006">
-    <mc:Choice xmlns:p15="http://schemas.microsoft.com/office/powerpoint/2012/main" Requires="p15">
+  <mc:AlternateContent xmlns:mc="http://schemas.openxmlformats.org/markup-compatibility/2006" xmlns:p15="http://schemas.microsoft.com/office/powerpoint/2012/main">
+    <mc:Choice Requires="p15">
       <p:transition spd="med">
         <p15:prstTrans prst="curtains"/>
       </p:transition>
     </mc:Choice>
-    <mc:Fallback>
+    <mc:Fallback xmlns="">
       <p:transition spd="med">
         <p:fade/>
       </p:transition>
@@ -8542,13 +8542,13 @@
   <p:clrMapOvr>
     <a:masterClrMapping/>
   </p:clrMapOvr>
-  <mc:AlternateContent xmlns:mc="http://schemas.openxmlformats.org/markup-compatibility/2006">
-    <mc:Choice xmlns:p15="http://schemas.microsoft.com/office/powerpoint/2012/main" Requires="p15">
+  <mc:AlternateContent xmlns:mc="http://schemas.openxmlformats.org/markup-compatibility/2006" xmlns:p15="http://schemas.microsoft.com/office/powerpoint/2012/main">
+    <mc:Choice Requires="p15">
       <p:transition spd="med">
         <p15:prstTrans prst="curtains"/>
       </p:transition>
     </mc:Choice>
-    <mc:Fallback>
+    <mc:Fallback xmlns="">
       <p:transition spd="med">
         <p:fade/>
       </p:transition>
@@ -8747,13 +8747,13 @@
   <p:clrMapOvr>
     <a:masterClrMapping/>
   </p:clrMapOvr>
-  <mc:AlternateContent xmlns:mc="http://schemas.openxmlformats.org/markup-compatibility/2006">
-    <mc:Choice xmlns:p15="http://schemas.microsoft.com/office/powerpoint/2012/main" Requires="p15">
+  <mc:AlternateContent xmlns:mc="http://schemas.openxmlformats.org/markup-compatibility/2006" xmlns:p15="http://schemas.microsoft.com/office/powerpoint/2012/main">
+    <mc:Choice Requires="p15">
       <p:transition spd="med">
         <p15:prstTrans prst="origami" invX="1"/>
       </p:transition>
     </mc:Choice>
-    <mc:Fallback>
+    <mc:Fallback xmlns="">
       <p:transition spd="med">
         <p:fade/>
       </p:transition>
@@ -8867,19 +8867,11 @@
           <a:p>
             <a:r>
               <a:rPr lang="en-US" dirty="0" smtClean="0"/>
-              <a:t>Visual </a:t>
-            </a:r>
-            <a:r>
-              <a:rPr lang="en-US" dirty="0" smtClean="0"/>
-              <a:t>Studio Code(</a:t>
+              <a:t>Visual Studio Code(</a:t>
             </a:r>
             <a:r>
               <a:rPr lang="bg-BG" dirty="0" smtClean="0"/>
-              <a:t>среда за разработка за писане на код</a:t>
-            </a:r>
-            <a:r>
-              <a:rPr lang="bg-BG" dirty="0" smtClean="0"/>
-              <a:t>)</a:t>
+              <a:t>среда за разработка за писане на код)</a:t>
             </a:r>
             <a:endParaRPr lang="de-DE" dirty="0" smtClean="0"/>
           </a:p>
@@ -8888,7 +8880,6 @@
               <a:rPr lang="en-US" dirty="0" smtClean="0"/>
               <a:t>Bash</a:t>
             </a:r>
-            <a:endParaRPr lang="en-US" dirty="0" smtClean="0"/>
           </a:p>
         </p:txBody>
       </p:sp>
@@ -9126,13 +9117,13 @@
   <p:clrMapOvr>
     <a:masterClrMapping/>
   </p:clrMapOvr>
-  <mc:AlternateContent xmlns:mc="http://schemas.openxmlformats.org/markup-compatibility/2006">
-    <mc:Choice xmlns:p15="http://schemas.microsoft.com/office/powerpoint/2012/main" Requires="p15">
+  <mc:AlternateContent xmlns:mc="http://schemas.openxmlformats.org/markup-compatibility/2006" xmlns:p15="http://schemas.microsoft.com/office/powerpoint/2012/main">
+    <mc:Choice Requires="p15">
       <p:transition spd="med">
         <p15:prstTrans prst="curtains"/>
       </p:transition>
     </mc:Choice>
-    <mc:Fallback>
+    <mc:Fallback xmlns="">
       <p:transition spd="med">
         <p:fade/>
       </p:transition>
@@ -9964,13 +9955,13 @@
   <p:clrMapOvr>
     <a:masterClrMapping/>
   </p:clrMapOvr>
-  <mc:AlternateContent xmlns:mc="http://schemas.openxmlformats.org/markup-compatibility/2006">
-    <mc:Choice xmlns:p15="http://schemas.microsoft.com/office/powerpoint/2012/main" Requires="p15">
+  <mc:AlternateContent xmlns:mc="http://schemas.openxmlformats.org/markup-compatibility/2006" xmlns:p15="http://schemas.microsoft.com/office/powerpoint/2012/main">
+    <mc:Choice Requires="p15">
       <p:transition spd="med">
         <p15:prstTrans prst="curtains"/>
       </p:transition>
     </mc:Choice>
-    <mc:Fallback>
+    <mc:Fallback xmlns="">
       <p:transition spd="med">
         <p:fade/>
       </p:transition>
@@ -10699,13 +10690,13 @@
   <p:clrMapOvr>
     <a:masterClrMapping/>
   </p:clrMapOvr>
-  <mc:AlternateContent xmlns:mc="http://schemas.openxmlformats.org/markup-compatibility/2006">
-    <mc:Choice xmlns:p15="http://schemas.microsoft.com/office/powerpoint/2012/main" Requires="p15">
+  <mc:AlternateContent xmlns:mc="http://schemas.openxmlformats.org/markup-compatibility/2006" xmlns:p15="http://schemas.microsoft.com/office/powerpoint/2012/main">
+    <mc:Choice Requires="p15">
       <p:transition spd="med">
         <p15:prstTrans prst="curtains"/>
       </p:transition>
     </mc:Choice>
-    <mc:Fallback>
+    <mc:Fallback xmlns="">
       <p:transition spd="med">
         <p:fade/>
       </p:transition>
@@ -10948,10 +10939,78 @@
               <a:rPr lang="en-US" dirty="0" err="1" smtClean="0"/>
               <a:t>SwiperJS</a:t>
             </a:r>
+            <a:r>
+              <a:rPr lang="bg-BG" dirty="0" smtClean="0"/>
+              <a:t> и </a:t>
+            </a:r>
+            <a:r>
+              <a:rPr lang="en-US" dirty="0" err="1" smtClean="0"/>
+              <a:t>javascript</a:t>
+            </a:r>
+            <a:r>
+              <a:rPr lang="en-US" dirty="0" smtClean="0"/>
+              <a:t>.</a:t>
+            </a:r>
             <a:endParaRPr lang="bg-BG" dirty="0"/>
           </a:p>
         </p:txBody>
       </p:sp>
+      <p:pic>
+        <p:nvPicPr>
+          <p:cNvPr id="1026" name="Picture 2" descr="Javascript - Durable Programming"/>
+          <p:cNvPicPr>
+            <a:picLocks noChangeAspect="1" noChangeArrowheads="1"/>
+          </p:cNvPicPr>
+          <p:nvPr/>
+        </p:nvPicPr>
+        <p:blipFill>
+          <a:blip r:embed="rId2" cstate="print">
+            <a:extLst>
+              <a:ext uri="{28A0092B-C50C-407E-A947-70E740481C1C}">
+                <a14:useLocalDpi xmlns:a14="http://schemas.microsoft.com/office/drawing/2010/main" val="0"/>
+              </a:ext>
+            </a:extLst>
+          </a:blip>
+          <a:srcRect/>
+          <a:stretch>
+            <a:fillRect/>
+          </a:stretch>
+        </p:blipFill>
+        <p:spPr bwMode="auto">
+          <a:xfrm>
+            <a:off x="680321" y="4276436"/>
+            <a:ext cx="2581564" cy="2581564"/>
+          </a:xfrm>
+          <a:prstGeom prst="rect">
+            <a:avLst/>
+          </a:prstGeom>
+          <a:noFill/>
+          <a:effectLst>
+            <a:glow rad="228600">
+              <a:schemeClr val="accent1">
+                <a:satMod val="175000"/>
+                <a:alpha val="40000"/>
+              </a:schemeClr>
+            </a:glow>
+          </a:effectLst>
+          <a:scene3d>
+            <a:camera prst="orthographicFront"/>
+            <a:lightRig rig="threePt" dir="t"/>
+          </a:scene3d>
+          <a:sp3d>
+            <a:bevelT w="165100" prst="coolSlant"/>
+          </a:sp3d>
+          <a:extLst>
+            <a:ext uri="{909E8E84-426E-40DD-AFC4-6F175D3DCCD1}">
+              <a14:hiddenFill xmlns:a14="http://schemas.microsoft.com/office/drawing/2010/main">
+                <a:solidFill>
+                  <a:srgbClr val="FFFFFF"/>
+                </a:solidFill>
+              </a14:hiddenFill>
+            </a:ext>
+          </a:extLst>
+        </p:spPr>
+      </p:pic>
     </p:spTree>
     <p:extLst>
       <p:ext uri="{BB962C8B-B14F-4D97-AF65-F5344CB8AC3E}">
@@ -10962,13 +11021,13 @@
   <p:clrMapOvr>
     <a:masterClrMapping/>
   </p:clrMapOvr>
-  <mc:AlternateContent xmlns:mc="http://schemas.openxmlformats.org/markup-compatibility/2006">
-    <mc:Choice xmlns:p15="http://schemas.microsoft.com/office/powerpoint/2012/main" Requires="p15">
+  <mc:AlternateContent xmlns:mc="http://schemas.openxmlformats.org/markup-compatibility/2006" xmlns:p15="http://schemas.microsoft.com/office/powerpoint/2012/main">
+    <mc:Choice Requires="p15">
       <p:transition spd="med">
         <p15:prstTrans prst="curtains"/>
       </p:transition>
     </mc:Choice>
-    <mc:Fallback>
+    <mc:Fallback xmlns="">
       <p:transition spd="med">
         <p:fade/>
       </p:transition>
@@ -10977,7 +11036,195 @@
   <p:timing>
     <p:tnLst>
       <p:par>
-        <p:cTn id="1" dur="indefinite" restart="never" nodeType="tmRoot"/>
+        <p:cTn id="1" dur="indefinite" restart="never" nodeType="tmRoot">
+          <p:childTnLst>
+            <p:seq concurrent="1" nextAc="seek">
+              <p:cTn id="2" dur="indefinite" nodeType="mainSeq">
+                <p:childTnLst>
+                  <p:par>
+                    <p:cTn id="3" fill="hold">
+                      <p:stCondLst>
+                        <p:cond delay="indefinite"/>
+                        <p:cond evt="onBegin" delay="0">
+                          <p:tn val="2"/>
+                        </p:cond>
+                      </p:stCondLst>
+                      <p:childTnLst>
+                        <p:par>
+                          <p:cTn id="4" fill="hold">
+                            <p:stCondLst>
+                              <p:cond delay="0"/>
+                            </p:stCondLst>
+                            <p:childTnLst>
+                              <p:par>
+                                <p:cTn id="5" presetID="4" presetClass="entr" presetSubtype="32" fill="hold" nodeType="afterEffect">
+                                  <p:stCondLst>
+                                    <p:cond delay="0"/>
+                                  </p:stCondLst>
+                                  <p:childTnLst>
+                                    <p:set>
+                                      <p:cBhvr>
+                                        <p:cTn id="6" dur="1" fill="hold">
+                                          <p:stCondLst>
+                                            <p:cond delay="0"/>
+                                          </p:stCondLst>
+                                        </p:cTn>
+                                        <p:tgtEl>
+                                          <p:spTgt spid="1026"/>
+                                        </p:tgtEl>
+                                        <p:attrNameLst>
+                                          <p:attrName>style.visibility</p:attrName>
+                                        </p:attrNameLst>
+                                      </p:cBhvr>
+                                      <p:to>
+                                        <p:strVal val="visible"/>
+                                      </p:to>
+                                    </p:set>
+                                    <p:animEffect transition="in" filter="box(out)">
+                                      <p:cBhvr>
+                                        <p:cTn id="7" dur="750"/>
+                                        <p:tgtEl>
+                                          <p:spTgt spid="1026"/>
+                                        </p:tgtEl>
+                                      </p:cBhvr>
+                                    </p:animEffect>
+                                  </p:childTnLst>
+                                </p:cTn>
+                              </p:par>
+                            </p:childTnLst>
+                          </p:cTn>
+                        </p:par>
+                        <p:par>
+                          <p:cTn id="8" fill="hold">
+                            <p:stCondLst>
+                              <p:cond delay="750"/>
+                            </p:stCondLst>
+                            <p:childTnLst>
+                              <p:par>
+                                <p:cTn id="9" presetID="26" presetClass="emph" presetSubtype="0" fill="hold" nodeType="afterEffect">
+                                  <p:stCondLst>
+                                    <p:cond delay="0"/>
+                                  </p:stCondLst>
+                                  <p:childTnLst>
+                                    <p:animEffect transition="out" filter="fade">
+                                      <p:cBhvr>
+                                        <p:cTn id="10" dur="500" tmFilter="0, 0; .2, .5; .8, .5; 1, 0"/>
+                                        <p:tgtEl>
+                                          <p:spTgt spid="1026"/>
+                                        </p:tgtEl>
+                                      </p:cBhvr>
+                                    </p:animEffect>
+                                    <p:animScale>
+                                      <p:cBhvr>
+                                        <p:cTn id="11" dur="250" autoRev="1" fill="hold"/>
+                                        <p:tgtEl>
+                                          <p:spTgt spid="1026"/>
+                                        </p:tgtEl>
+                                      </p:cBhvr>
+                                      <p:by x="105000" y="105000"/>
+                                    </p:animScale>
+                                  </p:childTnLst>
+                                </p:cTn>
+                              </p:par>
+                            </p:childTnLst>
+                          </p:cTn>
+                        </p:par>
+                        <p:par>
+                          <p:cTn id="12" fill="hold">
+                            <p:stCondLst>
+                              <p:cond delay="1250"/>
+                            </p:stCondLst>
+                            <p:childTnLst>
+                              <p:par>
+                                <p:cTn id="13" presetID="27" presetClass="emph" presetSubtype="0" fill="remove" nodeType="afterEffect">
+                                  <p:stCondLst>
+                                    <p:cond delay="0"/>
+                                  </p:stCondLst>
+                                  <p:childTnLst>
+                                    <p:animClr clrSpc="rgb" dir="cw">
+                                      <p:cBhvr override="childStyle">
+                                        <p:cTn id="14" dur="250" autoRev="1" fill="remove"/>
+                                        <p:tgtEl>
+                                          <p:spTgt spid="1026"/>
+                                        </p:tgtEl>
+                                        <p:attrNameLst>
+                                          <p:attrName>style.color</p:attrName>
+                                        </p:attrNameLst>
+                                      </p:cBhvr>
+                                      <p:to>
+                                        <a:schemeClr val="bg1"/>
+                                      </p:to>
+                                    </p:animClr>
+                                    <p:animClr clrSpc="rgb" dir="cw">
+                                      <p:cBhvr>
+                                        <p:cTn id="15" dur="250" autoRev="1" fill="remove"/>
+                                        <p:tgtEl>
+                                          <p:spTgt spid="1026"/>
+                                        </p:tgtEl>
+                                        <p:attrNameLst>
+                                          <p:attrName>fillcolor</p:attrName>
+                                        </p:attrNameLst>
+                                      </p:cBhvr>
+                                      <p:to>
+                                        <a:schemeClr val="bg1"/>
+                                      </p:to>
+                                    </p:animClr>
+                                    <p:set>
+                                      <p:cBhvr>
+                                        <p:cTn id="16" dur="250" autoRev="1" fill="remove"/>
+                                        <p:tgtEl>
+                                          <p:spTgt spid="1026"/>
+                                        </p:tgtEl>
+                                        <p:attrNameLst>
+                                          <p:attrName>fill.type</p:attrName>
+                                        </p:attrNameLst>
+                                      </p:cBhvr>
+                                      <p:to>
+                                        <p:strVal val="solid"/>
+                                      </p:to>
+                                    </p:set>
+                                    <p:set>
+                                      <p:cBhvr>
+                                        <p:cTn id="17" dur="250" autoRev="1" fill="remove"/>
+                                        <p:tgtEl>
+                                          <p:spTgt spid="1026"/>
+                                        </p:tgtEl>
+                                        <p:attrNameLst>
+                                          <p:attrName>fill.on</p:attrName>
+                                        </p:attrNameLst>
+                                      </p:cBhvr>
+                                      <p:to>
+                                        <p:strVal val="true"/>
+                                      </p:to>
+                                    </p:set>
+                                  </p:childTnLst>
+                                </p:cTn>
+                              </p:par>
+                            </p:childTnLst>
+                          </p:cTn>
+                        </p:par>
+                      </p:childTnLst>
+                    </p:cTn>
+                  </p:par>
+                </p:childTnLst>
+              </p:cTn>
+              <p:prevCondLst>
+                <p:cond evt="onPrev" delay="0">
+                  <p:tgtEl>
+                    <p:sldTgt/>
+                  </p:tgtEl>
+                </p:cond>
+              </p:prevCondLst>
+              <p:nextCondLst>
+                <p:cond evt="onNext" delay="0">
+                  <p:tgtEl>
+                    <p:sldTgt/>
+                  </p:tgtEl>
+                </p:cond>
+              </p:nextCondLst>
+            </p:seq>
+          </p:childTnLst>
+        </p:cTn>
       </p:par>
     </p:tnLst>
   </p:timing>
@@ -11145,13 +11392,13 @@
   <p:clrMapOvr>
     <a:masterClrMapping/>
   </p:clrMapOvr>
-  <mc:AlternateContent xmlns:mc="http://schemas.openxmlformats.org/markup-compatibility/2006">
-    <mc:Choice xmlns:p15="http://schemas.microsoft.com/office/powerpoint/2012/main" Requires="p15">
+  <mc:AlternateContent xmlns:mc="http://schemas.openxmlformats.org/markup-compatibility/2006" xmlns:p15="http://schemas.microsoft.com/office/powerpoint/2012/main">
+    <mc:Choice Requires="p15">
       <p:transition spd="med">
         <p15:prstTrans prst="curtains"/>
       </p:transition>
     </mc:Choice>
-    <mc:Fallback>
+    <mc:Fallback xmlns="">
       <p:transition spd="med">
         <p:fade/>
       </p:transition>
@@ -11256,13 +11503,13 @@
   <p:clrMapOvr>
     <a:masterClrMapping/>
   </p:clrMapOvr>
-  <mc:AlternateContent xmlns:mc="http://schemas.openxmlformats.org/markup-compatibility/2006">
-    <mc:Choice xmlns:p15="http://schemas.microsoft.com/office/powerpoint/2012/main" Requires="p15">
+  <mc:AlternateContent xmlns:mc="http://schemas.openxmlformats.org/markup-compatibility/2006" xmlns:p15="http://schemas.microsoft.com/office/powerpoint/2012/main">
+    <mc:Choice Requires="p15">
       <p:transition spd="med">
         <p15:prstTrans prst="curtains"/>
       </p:transition>
     </mc:Choice>
-    <mc:Fallback>
+    <mc:Fallback xmlns="">
       <p:transition spd="med">
         <p:fade/>
       </p:transition>
@@ -11367,13 +11614,13 @@
   <p:clrMapOvr>
     <a:masterClrMapping/>
   </p:clrMapOvr>
-  <mc:AlternateContent xmlns:mc="http://schemas.openxmlformats.org/markup-compatibility/2006">
-    <mc:Choice xmlns:p15="http://schemas.microsoft.com/office/powerpoint/2012/main" Requires="p15">
+  <mc:AlternateContent xmlns:mc="http://schemas.openxmlformats.org/markup-compatibility/2006" xmlns:p15="http://schemas.microsoft.com/office/powerpoint/2012/main">
+    <mc:Choice Requires="p15">
       <p:transition spd="med">
         <p15:prstTrans prst="curtains"/>
       </p:transition>
     </mc:Choice>
-    <mc:Fallback>
+    <mc:Fallback xmlns="">
       <p:transition spd="med">
         <p:fade/>
       </p:transition>
@@ -11533,13 +11780,13 @@
   <p:clrMapOvr>
     <a:masterClrMapping/>
   </p:clrMapOvr>
-  <mc:AlternateContent xmlns:mc="http://schemas.openxmlformats.org/markup-compatibility/2006">
-    <mc:Choice xmlns:p15="http://schemas.microsoft.com/office/powerpoint/2012/main" Requires="p15">
+  <mc:AlternateContent xmlns:mc="http://schemas.openxmlformats.org/markup-compatibility/2006" xmlns:p15="http://schemas.microsoft.com/office/powerpoint/2012/main">
+    <mc:Choice Requires="p15">
       <p:transition spd="med">
         <p15:prstTrans prst="curtains"/>
       </p:transition>
     </mc:Choice>
-    <mc:Fallback>
+    <mc:Fallback xmlns="">
       <p:transition spd="med">
         <p:fade/>
       </p:transition>

--- a/Уеб сайт за дистрибуция на Xiaomi.pptx
+++ b/Уеб сайт за дистрибуция на Xiaomi.pptx
@@ -7992,7 +7992,15 @@
           <a:p>
             <a:r>
               <a:rPr lang="bg-BG" dirty="0" smtClean="0"/>
-              <a:t>Уеб сайт за дистрибуция на </a:t>
+              <a:t>Уеб </a:t>
+            </a:r>
+            <a:r>
+              <a:rPr lang="bg-BG" dirty="0" smtClean="0"/>
+              <a:t>страницата </a:t>
+            </a:r>
+            <a:r>
+              <a:rPr lang="bg-BG" dirty="0" smtClean="0"/>
+              <a:t>за дистрибуция на </a:t>
             </a:r>
             <a:r>
               <a:rPr lang="en-US" dirty="0" smtClean="0"/>
@@ -9117,13 +9125,13 @@
   <p:clrMapOvr>
     <a:masterClrMapping/>
   </p:clrMapOvr>
-  <mc:AlternateContent xmlns:mc="http://schemas.openxmlformats.org/markup-compatibility/2006" xmlns:p15="http://schemas.microsoft.com/office/powerpoint/2012/main">
-    <mc:Choice Requires="p15">
+  <mc:AlternateContent xmlns:mc="http://schemas.openxmlformats.org/markup-compatibility/2006">
+    <mc:Choice xmlns:p15="http://schemas.microsoft.com/office/powerpoint/2012/main" Requires="p15">
       <p:transition spd="med">
         <p15:prstTrans prst="curtains"/>
       </p:transition>
     </mc:Choice>
-    <mc:Fallback xmlns="">
+    <mc:Fallback>
       <p:transition spd="med">
         <p:fade/>
       </p:transition>
@@ -10898,7 +10906,11 @@
           <a:p>
             <a:r>
               <a:rPr lang="bg-BG" dirty="0" smtClean="0"/>
-              <a:t>Дизайн на сайта</a:t>
+              <a:t>Дизайн на </a:t>
+            </a:r>
+            <a:r>
+              <a:rPr lang="bg-BG" dirty="0"/>
+              <a:t>уеб страницата</a:t>
             </a:r>
             <a:endParaRPr lang="bg-BG" dirty="0"/>
           </a:p>
@@ -10914,7 +10926,12 @@
             <p:ph idx="1"/>
           </p:nvPr>
         </p:nvSpPr>
-        <p:spPr/>
+        <p:spPr>
+          <a:xfrm>
+            <a:off x="680321" y="2336873"/>
+            <a:ext cx="11511679" cy="3599316"/>
+          </a:xfrm>
+        </p:spPr>
         <p:txBody>
           <a:bodyPr/>
           <a:lstStyle/>
@@ -10951,7 +10968,63 @@
               <a:rPr lang="en-US" dirty="0" smtClean="0"/>
               <a:t>.</a:t>
             </a:r>
-            <a:endParaRPr lang="bg-BG" dirty="0"/>
+          </a:p>
+          <a:p>
+            <a:r>
+              <a:rPr lang="bg-BG" dirty="0" smtClean="0"/>
+              <a:t>Използвана е „</a:t>
+            </a:r>
+            <a:r>
+              <a:rPr lang="en-US" dirty="0" smtClean="0"/>
+              <a:t>flex</a:t>
+            </a:r>
+            <a:r>
+              <a:rPr lang="bg-BG" dirty="0" smtClean="0"/>
+              <a:t>“ технология за отзивчивост на уеб страницата</a:t>
+            </a:r>
+          </a:p>
+          <a:p>
+            <a:r>
+              <a:rPr lang="bg-BG" dirty="0" smtClean="0"/>
+              <a:t>За анимациите са използвани „</a:t>
+            </a:r>
+            <a:r>
+              <a:rPr lang="en-US" dirty="0" smtClean="0"/>
+              <a:t>transition</a:t>
+            </a:r>
+            <a:r>
+              <a:rPr lang="bg-BG" dirty="0" smtClean="0"/>
+              <a:t>“</a:t>
+            </a:r>
+            <a:r>
+              <a:rPr lang="en-US" dirty="0" smtClean="0"/>
+              <a:t>,</a:t>
+            </a:r>
+            <a:r>
+              <a:rPr lang="bg-BG" dirty="0" smtClean="0"/>
+              <a:t> „</a:t>
+            </a:r>
+            <a:r>
+              <a:rPr lang="en-US" dirty="0" smtClean="0"/>
+              <a:t>transform</a:t>
+            </a:r>
+            <a:r>
+              <a:rPr lang="bg-BG" dirty="0" smtClean="0"/>
+              <a:t>“ и „</a:t>
+            </a:r>
+            <a:r>
+              <a:rPr lang="en-US" dirty="0" smtClean="0"/>
+              <a:t>key frames</a:t>
+            </a:r>
+            <a:r>
+              <a:rPr lang="bg-BG" dirty="0" smtClean="0"/>
+              <a:t>“</a:t>
+            </a:r>
+            <a:r>
+              <a:rPr lang="de-DE" dirty="0" smtClean="0"/>
+              <a:t>.</a:t>
+            </a:r>
+            <a:endParaRPr lang="en-US" dirty="0"/>
           </a:p>
         </p:txBody>
       </p:sp>
@@ -10978,8 +11051,8 @@
         </p:blipFill>
         <p:spPr bwMode="auto">
           <a:xfrm>
-            <a:off x="680321" y="4276436"/>
-            <a:ext cx="2581564" cy="2581564"/>
+            <a:off x="10474036" y="434715"/>
+            <a:ext cx="1717964" cy="1717964"/>
           </a:xfrm>
           <a:prstGeom prst="rect">
             <a:avLst/>
@@ -10999,6 +11072,71 @@
           </a:scene3d>
           <a:sp3d>
             <a:bevelT w="165100" prst="coolSlant"/>
+          </a:sp3d>
+          <a:extLst>
+            <a:ext uri="{909E8E84-426E-40DD-AFC4-6F175D3DCCD1}">
+              <a14:hiddenFill xmlns:a14="http://schemas.microsoft.com/office/drawing/2010/main">
+                <a:solidFill>
+                  <a:srgbClr val="FFFFFF"/>
+                </a:solidFill>
+              </a14:hiddenFill>
+            </a:ext>
+          </a:extLst>
+        </p:spPr>
+      </p:pic>
+      <p:pic>
+        <p:nvPicPr>
+          <p:cNvPr id="4" name="Picture 2" descr="What is CSS Flex box?. Flexible Box is a layout module, makes… | by Shan  Dhiviyarajan | Medium"/>
+          <p:cNvPicPr>
+            <a:picLocks noChangeAspect="1" noChangeArrowheads="1"/>
+          </p:cNvPicPr>
+          <p:nvPr/>
+        </p:nvPicPr>
+        <p:blipFill>
+          <a:blip r:embed="rId3">
+            <a:extLst>
+              <a:ext uri="{28A0092B-C50C-407E-A947-70E740481C1C}">
+                <a14:useLocalDpi xmlns:a14="http://schemas.microsoft.com/office/drawing/2010/main" val="0"/>
+              </a:ext>
+            </a:extLst>
+          </a:blip>
+          <a:srcRect/>
+          <a:stretch>
+            <a:fillRect/>
+          </a:stretch>
+        </p:blipFill>
+        <p:spPr bwMode="auto">
+          <a:xfrm>
+            <a:off x="680321" y="4432753"/>
+            <a:ext cx="4806080" cy="2342119"/>
+          </a:xfrm>
+          <a:prstGeom prst="roundRect">
+            <a:avLst>
+              <a:gd name="adj" fmla="val 10566"/>
+            </a:avLst>
+          </a:prstGeom>
+          <a:solidFill>
+            <a:srgbClr val="FFFFFF">
+              <a:shade val="85000"/>
+            </a:srgbClr>
+          </a:solidFill>
+          <a:ln>
+            <a:noFill/>
+          </a:ln>
+          <a:effectLst>
+            <a:glow rad="330200">
+              <a:srgbClr val="7030A0">
+                <a:alpha val="40000"/>
+              </a:srgbClr>
+            </a:glow>
+            <a:reflection blurRad="12700" stA="38000" endPos="28000" dist="5000" dir="5400000" sy="-100000" algn="bl" rotWithShape="0"/>
+          </a:effectLst>
+          <a:scene3d>
+            <a:camera prst="orthographicFront"/>
+            <a:lightRig rig="threePt" dir="t"/>
+          </a:scene3d>
+          <a:sp3d>
+            <a:bevelT/>
           </a:sp3d>
           <a:extLst>
             <a:ext uri="{909E8E84-426E-40DD-AFC4-6F175D3DCCD1}">
@@ -11057,7 +11195,7 @@
                             </p:stCondLst>
                             <p:childTnLst>
                               <p:par>
-                                <p:cTn id="5" presetID="4" presetClass="entr" presetSubtype="32" fill="hold" nodeType="afterEffect">
+                                <p:cTn id="5" presetID="42" presetClass="entr" presetSubtype="0" fill="hold" nodeType="afterEffect">
                                   <p:stCondLst>
                                     <p:cond delay="0"/>
                                   </p:stCondLst>
@@ -11080,11 +11218,194 @@
                                         <p:strVal val="visible"/>
                                       </p:to>
                                     </p:set>
-                                    <p:animEffect transition="in" filter="box(out)">
+                                    <p:animEffect transition="in" filter="fade">
                                       <p:cBhvr>
-                                        <p:cTn id="7" dur="750"/>
+                                        <p:cTn id="7" dur="1000"/>
                                         <p:tgtEl>
                                           <p:spTgt spid="1026"/>
+                                        </p:tgtEl>
+                                      </p:cBhvr>
+                                    </p:animEffect>
+                                    <p:anim calcmode="lin" valueType="num">
+                                      <p:cBhvr>
+                                        <p:cTn id="8" dur="1000" fill="hold"/>
+                                        <p:tgtEl>
+                                          <p:spTgt spid="1026"/>
+                                        </p:tgtEl>
+                                        <p:attrNameLst>
+                                          <p:attrName>ppt_x</p:attrName>
+                                        </p:attrNameLst>
+                                      </p:cBhvr>
+                                      <p:tavLst>
+                                        <p:tav tm="0">
+                                          <p:val>
+                                            <p:strVal val="#ppt_x"/>
+                                          </p:val>
+                                        </p:tav>
+                                        <p:tav tm="100000">
+                                          <p:val>
+                                            <p:strVal val="#ppt_x"/>
+                                          </p:val>
+                                        </p:tav>
+                                      </p:tavLst>
+                                    </p:anim>
+                                    <p:anim calcmode="lin" valueType="num">
+                                      <p:cBhvr>
+                                        <p:cTn id="9" dur="1000" fill="hold"/>
+                                        <p:tgtEl>
+                                          <p:spTgt spid="1026"/>
+                                        </p:tgtEl>
+                                        <p:attrNameLst>
+                                          <p:attrName>ppt_y</p:attrName>
+                                        </p:attrNameLst>
+                                      </p:cBhvr>
+                                      <p:tavLst>
+                                        <p:tav tm="0">
+                                          <p:val>
+                                            <p:strVal val="#ppt_y+.1"/>
+                                          </p:val>
+                                        </p:tav>
+                                        <p:tav tm="100000">
+                                          <p:val>
+                                            <p:strVal val="#ppt_y"/>
+                                          </p:val>
+                                        </p:tav>
+                                      </p:tavLst>
+                                    </p:anim>
+                                  </p:childTnLst>
+                                </p:cTn>
+                              </p:par>
+                            </p:childTnLst>
+                          </p:cTn>
+                        </p:par>
+                        <p:par>
+                          <p:cTn id="10" fill="hold">
+                            <p:stCondLst>
+                              <p:cond delay="1000"/>
+                            </p:stCondLst>
+                            <p:childTnLst>
+                              <p:par>
+                                <p:cTn id="11" presetID="32" presetClass="emph" presetSubtype="0" fill="hold" nodeType="afterEffect">
+                                  <p:stCondLst>
+                                    <p:cond delay="0"/>
+                                  </p:stCondLst>
+                                  <p:childTnLst>
+                                    <p:animRot by="120000">
+                                      <p:cBhvr>
+                                        <p:cTn id="12" dur="100" fill="hold">
+                                          <p:stCondLst>
+                                            <p:cond delay="0"/>
+                                          </p:stCondLst>
+                                        </p:cTn>
+                                        <p:tgtEl>
+                                          <p:spTgt spid="1026"/>
+                                        </p:tgtEl>
+                                        <p:attrNameLst>
+                                          <p:attrName>r</p:attrName>
+                                        </p:attrNameLst>
+                                      </p:cBhvr>
+                                    </p:animRot>
+                                    <p:animRot by="-240000">
+                                      <p:cBhvr>
+                                        <p:cTn id="13" dur="200" fill="hold">
+                                          <p:stCondLst>
+                                            <p:cond delay="200"/>
+                                          </p:stCondLst>
+                                        </p:cTn>
+                                        <p:tgtEl>
+                                          <p:spTgt spid="1026"/>
+                                        </p:tgtEl>
+                                        <p:attrNameLst>
+                                          <p:attrName>r</p:attrName>
+                                        </p:attrNameLst>
+                                      </p:cBhvr>
+                                    </p:animRot>
+                                    <p:animRot by="240000">
+                                      <p:cBhvr>
+                                        <p:cTn id="14" dur="200" fill="hold">
+                                          <p:stCondLst>
+                                            <p:cond delay="400"/>
+                                          </p:stCondLst>
+                                        </p:cTn>
+                                        <p:tgtEl>
+                                          <p:spTgt spid="1026"/>
+                                        </p:tgtEl>
+                                        <p:attrNameLst>
+                                          <p:attrName>r</p:attrName>
+                                        </p:attrNameLst>
+                                      </p:cBhvr>
+                                    </p:animRot>
+                                    <p:animRot by="-240000">
+                                      <p:cBhvr>
+                                        <p:cTn id="15" dur="200" fill="hold">
+                                          <p:stCondLst>
+                                            <p:cond delay="600"/>
+                                          </p:stCondLst>
+                                        </p:cTn>
+                                        <p:tgtEl>
+                                          <p:spTgt spid="1026"/>
+                                        </p:tgtEl>
+                                        <p:attrNameLst>
+                                          <p:attrName>r</p:attrName>
+                                        </p:attrNameLst>
+                                      </p:cBhvr>
+                                    </p:animRot>
+                                    <p:animRot by="120000">
+                                      <p:cBhvr>
+                                        <p:cTn id="16" dur="200" fill="hold">
+                                          <p:stCondLst>
+                                            <p:cond delay="800"/>
+                                          </p:stCondLst>
+                                        </p:cTn>
+                                        <p:tgtEl>
+                                          <p:spTgt spid="1026"/>
+                                        </p:tgtEl>
+                                        <p:attrNameLst>
+                                          <p:attrName>r</p:attrName>
+                                        </p:attrNameLst>
+                                      </p:cBhvr>
+                                    </p:animRot>
+                                  </p:childTnLst>
+                                </p:cTn>
+                              </p:par>
+                            </p:childTnLst>
+                          </p:cTn>
+                        </p:par>
+                        <p:par>
+                          <p:cTn id="17" fill="hold">
+                            <p:stCondLst>
+                              <p:cond delay="2000"/>
+                            </p:stCondLst>
+                            <p:childTnLst>
+                              <p:par>
+                                <p:cTn id="18" presetID="21" presetClass="entr" presetSubtype="8" fill="hold" nodeType="afterEffect">
+                                  <p:stCondLst>
+                                    <p:cond delay="0"/>
+                                  </p:stCondLst>
+                                  <p:childTnLst>
+                                    <p:set>
+                                      <p:cBhvr>
+                                        <p:cTn id="19" dur="1" fill="hold">
+                                          <p:stCondLst>
+                                            <p:cond delay="0"/>
+                                          </p:stCondLst>
+                                        </p:cTn>
+                                        <p:tgtEl>
+                                          <p:spTgt spid="4"/>
+                                        </p:tgtEl>
+                                        <p:attrNameLst>
+                                          <p:attrName>style.visibility</p:attrName>
+                                        </p:attrNameLst>
+                                      </p:cBhvr>
+                                      <p:to>
+                                        <p:strVal val="visible"/>
+                                      </p:to>
+                                    </p:set>
+                                    <p:animEffect transition="in" filter="wheel(8)">
+                                      <p:cBhvr>
+                                        <p:cTn id="20" dur="1000"/>
+                                        <p:tgtEl>
+                                          <p:spTgt spid="4"/>
                                         </p:tgtEl>
                                       </p:cBhvr>
                                     </p:animEffect>
@@ -11095,108 +11416,34 @@
                           </p:cTn>
                         </p:par>
                         <p:par>
-                          <p:cTn id="8" fill="hold">
+                          <p:cTn id="21" fill="hold">
                             <p:stCondLst>
-                              <p:cond delay="750"/>
+                              <p:cond delay="3000"/>
                             </p:stCondLst>
                             <p:childTnLst>
                               <p:par>
-                                <p:cTn id="9" presetID="26" presetClass="emph" presetSubtype="0" fill="hold" nodeType="afterEffect">
+                                <p:cTn id="22" presetID="26" presetClass="emph" presetSubtype="0" fill="hold" nodeType="afterEffect">
                                   <p:stCondLst>
                                     <p:cond delay="0"/>
                                   </p:stCondLst>
                                   <p:childTnLst>
                                     <p:animEffect transition="out" filter="fade">
                                       <p:cBhvr>
-                                        <p:cTn id="10" dur="500" tmFilter="0, 0; .2, .5; .8, .5; 1, 0"/>
+                                        <p:cTn id="23" dur="500" tmFilter="0, 0; .2, .5; .8, .5; 1, 0"/>
                                         <p:tgtEl>
-                                          <p:spTgt spid="1026"/>
+                                          <p:spTgt spid="4"/>
                                         </p:tgtEl>
                                       </p:cBhvr>
                                     </p:animEffect>
                                     <p:animScale>
                                       <p:cBhvr>
-                                        <p:cTn id="11" dur="250" autoRev="1" fill="hold"/>
+                                        <p:cTn id="24" dur="250" autoRev="1" fill="hold"/>
                                         <p:tgtEl>
-                                          <p:spTgt spid="1026"/>
+                                          <p:spTgt spid="4"/>
                                         </p:tgtEl>
                                       </p:cBhvr>
                                       <p:by x="105000" y="105000"/>
                                     </p:animScale>
-                                  </p:childTnLst>
-                                </p:cTn>
-                              </p:par>
-                            </p:childTnLst>
-                          </p:cTn>
-                        </p:par>
-                        <p:par>
-                          <p:cTn id="12" fill="hold">
-                            <p:stCondLst>
-                              <p:cond delay="1250"/>
-                            </p:stCondLst>
-                            <p:childTnLst>
-                              <p:par>
-                                <p:cTn id="13" presetID="27" presetClass="emph" presetSubtype="0" fill="remove" nodeType="afterEffect">
-                                  <p:stCondLst>
-                                    <p:cond delay="0"/>
-                                  </p:stCondLst>
-                                  <p:childTnLst>
-                                    <p:animClr clrSpc="rgb" dir="cw">
-                                      <p:cBhvr override="childStyle">
-                                        <p:cTn id="14" dur="250" autoRev="1" fill="remove"/>
-                                        <p:tgtEl>
-                                          <p:spTgt spid="1026"/>
-                                        </p:tgtEl>
-                                        <p:attrNameLst>
-                                          <p:attrName>style.color</p:attrName>
-                                        </p:attrNameLst>
-                                      </p:cBhvr>
-                                      <p:to>
-                                        <a:schemeClr val="bg1"/>
-                                      </p:to>
-                                    </p:animClr>
-                                    <p:animClr clrSpc="rgb" dir="cw">
-                                      <p:cBhvr>
-                                        <p:cTn id="15" dur="250" autoRev="1" fill="remove"/>
-                                        <p:tgtEl>
-                                          <p:spTgt spid="1026"/>
-                                        </p:tgtEl>
-                                        <p:attrNameLst>
-                                          <p:attrName>fillcolor</p:attrName>
-                                        </p:attrNameLst>
-                                      </p:cBhvr>
-                                      <p:to>
-                                        <a:schemeClr val="bg1"/>
-                                      </p:to>
-                                    </p:animClr>
-                                    <p:set>
-                                      <p:cBhvr>
-                                        <p:cTn id="16" dur="250" autoRev="1" fill="remove"/>
-                                        <p:tgtEl>
-                                          <p:spTgt spid="1026"/>
-                                        </p:tgtEl>
-                                        <p:attrNameLst>
-                                          <p:attrName>fill.type</p:attrName>
-                                        </p:attrNameLst>
-                                      </p:cBhvr>
-                                      <p:to>
-                                        <p:strVal val="solid"/>
-                                      </p:to>
-                                    </p:set>
-                                    <p:set>
-                                      <p:cBhvr>
-                                        <p:cTn id="17" dur="250" autoRev="1" fill="remove"/>
-                                        <p:tgtEl>
-                                          <p:spTgt spid="1026"/>
-                                        </p:tgtEl>
-                                        <p:attrNameLst>
-                                          <p:attrName>fill.on</p:attrName>
-                                        </p:attrNameLst>
-                                      </p:cBhvr>
-                                      <p:to>
-                                        <p:strVal val="true"/>
-                                      </p:to>
-                                    </p:set>
                                   </p:childTnLst>
                                 </p:cTn>
                               </p:par>
